--- a/Python과제/Python_10강.pptx
+++ b/Python과제/Python_10강.pptx
@@ -6,21 +6,27 @@
   </p:sldMasterIdLst>
   <p:sldIdLst>
     <p:sldId id="256" r:id="rId2"/>
-    <p:sldId id="257" r:id="rId3"/>
-    <p:sldId id="258" r:id="rId4"/>
-    <p:sldId id="259" r:id="rId5"/>
-    <p:sldId id="260" r:id="rId6"/>
-    <p:sldId id="261" r:id="rId7"/>
-    <p:sldId id="262" r:id="rId8"/>
-    <p:sldId id="263" r:id="rId9"/>
-    <p:sldId id="264" r:id="rId10"/>
-    <p:sldId id="265" r:id="rId11"/>
-    <p:sldId id="266" r:id="rId12"/>
-    <p:sldId id="267" r:id="rId13"/>
-    <p:sldId id="268" r:id="rId14"/>
-    <p:sldId id="269" r:id="rId15"/>
-    <p:sldId id="270" r:id="rId16"/>
-    <p:sldId id="271" r:id="rId17"/>
+    <p:sldId id="286" r:id="rId3"/>
+    <p:sldId id="287" r:id="rId4"/>
+    <p:sldId id="257" r:id="rId5"/>
+    <p:sldId id="258" r:id="rId6"/>
+    <p:sldId id="288" r:id="rId7"/>
+    <p:sldId id="259" r:id="rId8"/>
+    <p:sldId id="260" r:id="rId9"/>
+    <p:sldId id="261" r:id="rId10"/>
+    <p:sldId id="262" r:id="rId11"/>
+    <p:sldId id="263" r:id="rId12"/>
+    <p:sldId id="264" r:id="rId13"/>
+    <p:sldId id="265" r:id="rId14"/>
+    <p:sldId id="266" r:id="rId15"/>
+    <p:sldId id="289" r:id="rId16"/>
+    <p:sldId id="267" r:id="rId17"/>
+    <p:sldId id="268" r:id="rId18"/>
+    <p:sldId id="269" r:id="rId19"/>
+    <p:sldId id="270" r:id="rId20"/>
+    <p:sldId id="271" r:id="rId21"/>
+    <p:sldId id="291" r:id="rId22"/>
+    <p:sldId id="292" r:id="rId23"/>
   </p:sldIdLst>
   <p:sldSz cx="12192000" cy="6858000"/>
   <p:notesSz cx="6858000" cy="9144000"/>
@@ -141,6 +147,499 @@
           <inkml:channelProperty channel="Y" name="resolution" value="1000" units="1/cm"/>
         </inkml:channelProperties>
       </inkml:inkSource>
+      <inkml:timestamp xml:id="ts0" timeString="2023-05-06T15:16:09.317"/>
+    </inkml:context>
+    <inkml:brush xml:id="br0">
+      <inkml:brushProperty name="width" value="0.3" units="cm"/>
+      <inkml:brushProperty name="height" value="0.6" units="cm"/>
+      <inkml:brushProperty name="color" value="#C0E494"/>
+      <inkml:brushProperty name="tip" value="rectangle"/>
+      <inkml:brushProperty name="rasterOp" value="maskPen"/>
+      <inkml:brushProperty name="ignorePressure" value="1"/>
+    </inkml:brush>
+  </inkml:definitions>
+  <inkml:trace contextRef="#ctx0" brushRef="#br0">0 0,'3580'0,"-3537"0</inkml:trace>
+</inkml:ink>
+</file>
+
+<file path=ppt/ink/ink10.xml><?xml version="1.0" encoding="utf-8"?>
+<inkml:ink xmlns:inkml="http://www.w3.org/2003/InkML">
+  <inkml:definitions>
+    <inkml:context xml:id="ctx0">
+      <inkml:inkSource xml:id="inkSrc0">
+        <inkml:traceFormat>
+          <inkml:channel name="X" type="integer" min="-2.14748E9" max="2.14748E9" units="cm"/>
+          <inkml:channel name="Y" type="integer" min="-2.14748E9" max="2.14748E9" units="cm"/>
+        </inkml:traceFormat>
+        <inkml:channelProperties>
+          <inkml:channelProperty channel="X" name="resolution" value="1000" units="1/cm"/>
+          <inkml:channelProperty channel="Y" name="resolution" value="1000" units="1/cm"/>
+        </inkml:channelProperties>
+      </inkml:inkSource>
+      <inkml:timestamp xml:id="ts0" timeString="2023-05-06T15:17:12.157"/>
+    </inkml:context>
+    <inkml:brush xml:id="br0">
+      <inkml:brushProperty name="width" value="0.4" units="cm"/>
+      <inkml:brushProperty name="height" value="0.8" units="cm"/>
+      <inkml:brushProperty name="color" value="#C0E494"/>
+      <inkml:brushProperty name="tip" value="rectangle"/>
+      <inkml:brushProperty name="rasterOp" value="maskPen"/>
+      <inkml:brushProperty name="ignorePressure" value="1"/>
+    </inkml:brush>
+  </inkml:definitions>
+  <inkml:trace contextRef="#ctx0" brushRef="#br0">1 0,'4028'0,"-3983"0</inkml:trace>
+</inkml:ink>
+</file>
+
+<file path=ppt/ink/ink11.xml><?xml version="1.0" encoding="utf-8"?>
+<inkml:ink xmlns:inkml="http://www.w3.org/2003/InkML">
+  <inkml:definitions>
+    <inkml:context xml:id="ctx0">
+      <inkml:inkSource xml:id="inkSrc0">
+        <inkml:traceFormat>
+          <inkml:channel name="X" type="integer" min="-2.14748E9" max="2.14748E9" units="cm"/>
+          <inkml:channel name="Y" type="integer" min="-2.14748E9" max="2.14748E9" units="cm"/>
+        </inkml:traceFormat>
+        <inkml:channelProperties>
+          <inkml:channelProperty channel="X" name="resolution" value="1000" units="1/cm"/>
+          <inkml:channelProperty channel="Y" name="resolution" value="1000" units="1/cm"/>
+        </inkml:channelProperties>
+      </inkml:inkSource>
+      <inkml:timestamp xml:id="ts0" timeString="2023-05-06T15:17:17.639"/>
+    </inkml:context>
+    <inkml:brush xml:id="br0">
+      <inkml:brushProperty name="width" value="0.4" units="cm"/>
+      <inkml:brushProperty name="height" value="0.8" units="cm"/>
+      <inkml:brushProperty name="color" value="#C0E494"/>
+      <inkml:brushProperty name="tip" value="rectangle"/>
+      <inkml:brushProperty name="rasterOp" value="maskPen"/>
+      <inkml:brushProperty name="ignorePressure" value="1"/>
+    </inkml:brush>
+  </inkml:definitions>
+  <inkml:trace contextRef="#ctx0" brushRef="#br0">1 0,'3955'0,"-3906"0</inkml:trace>
+</inkml:ink>
+</file>
+
+<file path=ppt/ink/ink12.xml><?xml version="1.0" encoding="utf-8"?>
+<inkml:ink xmlns:inkml="http://www.w3.org/2003/InkML">
+  <inkml:definitions>
+    <inkml:context xml:id="ctx0">
+      <inkml:inkSource xml:id="inkSrc0">
+        <inkml:traceFormat>
+          <inkml:channel name="X" type="integer" min="-2.14748E9" max="2.14748E9" units="cm"/>
+          <inkml:channel name="Y" type="integer" min="-2.14748E9" max="2.14748E9" units="cm"/>
+        </inkml:traceFormat>
+        <inkml:channelProperties>
+          <inkml:channelProperty channel="X" name="resolution" value="1000" units="1/cm"/>
+          <inkml:channelProperty channel="Y" name="resolution" value="1000" units="1/cm"/>
+        </inkml:channelProperties>
+      </inkml:inkSource>
+      <inkml:timestamp xml:id="ts0" timeString="2023-05-06T15:17:26.477"/>
+    </inkml:context>
+    <inkml:brush xml:id="br0">
+      <inkml:brushProperty name="width" value="0.3" units="cm"/>
+      <inkml:brushProperty name="height" value="0.6" units="cm"/>
+      <inkml:brushProperty name="color" value="#C0E494"/>
+      <inkml:brushProperty name="tip" value="rectangle"/>
+      <inkml:brushProperty name="rasterOp" value="maskPen"/>
+      <inkml:brushProperty name="ignorePressure" value="1"/>
+    </inkml:brush>
+  </inkml:definitions>
+  <inkml:trace contextRef="#ctx0" brushRef="#br0">1 1,'1771'0,"-1733"0</inkml:trace>
+</inkml:ink>
+</file>
+
+<file path=ppt/ink/ink13.xml><?xml version="1.0" encoding="utf-8"?>
+<inkml:ink xmlns:inkml="http://www.w3.org/2003/InkML">
+  <inkml:definitions>
+    <inkml:context xml:id="ctx0">
+      <inkml:inkSource xml:id="inkSrc0">
+        <inkml:traceFormat>
+          <inkml:channel name="X" type="integer" min="-2.14748E9" max="2.14748E9" units="cm"/>
+          <inkml:channel name="Y" type="integer" min="-2.14748E9" max="2.14748E9" units="cm"/>
+        </inkml:traceFormat>
+        <inkml:channelProperties>
+          <inkml:channelProperty channel="X" name="resolution" value="1000" units="1/cm"/>
+          <inkml:channelProperty channel="Y" name="resolution" value="1000" units="1/cm"/>
+        </inkml:channelProperties>
+      </inkml:inkSource>
+      <inkml:timestamp xml:id="ts0" timeString="2023-05-06T15:17:41.846"/>
+    </inkml:context>
+    <inkml:brush xml:id="br0">
+      <inkml:brushProperty name="width" value="0.3" units="cm"/>
+      <inkml:brushProperty name="height" value="0.6" units="cm"/>
+      <inkml:brushProperty name="color" value="#C0E494"/>
+      <inkml:brushProperty name="tip" value="rectangle"/>
+      <inkml:brushProperty name="rasterOp" value="maskPen"/>
+      <inkml:brushProperty name="ignorePressure" value="1"/>
+    </inkml:brush>
+  </inkml:definitions>
+  <inkml:trace contextRef="#ctx0" brushRef="#br0">0 0,'5534'0,"-5495"0</inkml:trace>
+</inkml:ink>
+</file>
+
+<file path=ppt/ink/ink14.xml><?xml version="1.0" encoding="utf-8"?>
+<inkml:ink xmlns:inkml="http://www.w3.org/2003/InkML">
+  <inkml:definitions>
+    <inkml:context xml:id="ctx0">
+      <inkml:inkSource xml:id="inkSrc0">
+        <inkml:traceFormat>
+          <inkml:channel name="X" type="integer" min="-2.14748E9" max="2.14748E9" units="cm"/>
+          <inkml:channel name="Y" type="integer" min="-2.14748E9" max="2.14748E9" units="cm"/>
+        </inkml:traceFormat>
+        <inkml:channelProperties>
+          <inkml:channelProperty channel="X" name="resolution" value="1000" units="1/cm"/>
+          <inkml:channelProperty channel="Y" name="resolution" value="1000" units="1/cm"/>
+        </inkml:channelProperties>
+      </inkml:inkSource>
+      <inkml:timestamp xml:id="ts0" timeString="2023-05-06T15:18:04.951"/>
+    </inkml:context>
+    <inkml:brush xml:id="br0">
+      <inkml:brushProperty name="width" value="0.3" units="cm"/>
+      <inkml:brushProperty name="height" value="0.6" units="cm"/>
+      <inkml:brushProperty name="color" value="#C0E494"/>
+      <inkml:brushProperty name="tip" value="rectangle"/>
+      <inkml:brushProperty name="rasterOp" value="maskPen"/>
+      <inkml:brushProperty name="ignorePressure" value="1"/>
+    </inkml:brush>
+  </inkml:definitions>
+  <inkml:trace contextRef="#ctx0" brushRef="#br0">1 0,'14832'0,"-14793"0</inkml:trace>
+</inkml:ink>
+</file>
+
+<file path=ppt/ink/ink15.xml><?xml version="1.0" encoding="utf-8"?>
+<inkml:ink xmlns:inkml="http://www.w3.org/2003/InkML">
+  <inkml:definitions>
+    <inkml:context xml:id="ctx0">
+      <inkml:inkSource xml:id="inkSrc0">
+        <inkml:traceFormat>
+          <inkml:channel name="X" type="integer" min="-2.14748E9" max="2.14748E9" units="cm"/>
+          <inkml:channel name="Y" type="integer" min="-2.14748E9" max="2.14748E9" units="cm"/>
+        </inkml:traceFormat>
+        <inkml:channelProperties>
+          <inkml:channelProperty channel="X" name="resolution" value="1000" units="1/cm"/>
+          <inkml:channelProperty channel="Y" name="resolution" value="1000" units="1/cm"/>
+        </inkml:channelProperties>
+      </inkml:inkSource>
+      <inkml:timestamp xml:id="ts0" timeString="2023-05-06T15:18:16.445"/>
+    </inkml:context>
+    <inkml:brush xml:id="br0">
+      <inkml:brushProperty name="width" value="0.3" units="cm"/>
+      <inkml:brushProperty name="height" value="0.6" units="cm"/>
+      <inkml:brushProperty name="color" value="#C0E494"/>
+      <inkml:brushProperty name="tip" value="rectangle"/>
+      <inkml:brushProperty name="rasterOp" value="maskPen"/>
+      <inkml:brushProperty name="ignorePressure" value="1"/>
+    </inkml:brush>
+  </inkml:definitions>
+  <inkml:trace contextRef="#ctx0" brushRef="#br0">0 1,'4464'0,"-4433"0</inkml:trace>
+</inkml:ink>
+</file>
+
+<file path=ppt/ink/ink16.xml><?xml version="1.0" encoding="utf-8"?>
+<inkml:ink xmlns:inkml="http://www.w3.org/2003/InkML">
+  <inkml:definitions>
+    <inkml:context xml:id="ctx0">
+      <inkml:inkSource xml:id="inkSrc0">
+        <inkml:traceFormat>
+          <inkml:channel name="X" type="integer" min="-2.14748E9" max="2.14748E9" units="cm"/>
+          <inkml:channel name="Y" type="integer" min="-2.14748E9" max="2.14748E9" units="cm"/>
+        </inkml:traceFormat>
+        <inkml:channelProperties>
+          <inkml:channelProperty channel="X" name="resolution" value="1000" units="1/cm"/>
+          <inkml:channelProperty channel="Y" name="resolution" value="1000" units="1/cm"/>
+        </inkml:channelProperties>
+      </inkml:inkSource>
+      <inkml:timestamp xml:id="ts0" timeString="2023-05-06T15:18:24.058"/>
+    </inkml:context>
+    <inkml:brush xml:id="br0">
+      <inkml:brushProperty name="width" value="0.3" units="cm"/>
+      <inkml:brushProperty name="height" value="0.6" units="cm"/>
+      <inkml:brushProperty name="color" value="#C0E494"/>
+      <inkml:brushProperty name="tip" value="rectangle"/>
+      <inkml:brushProperty name="rasterOp" value="maskPen"/>
+      <inkml:brushProperty name="ignorePressure" value="1"/>
+    </inkml:brush>
+  </inkml:definitions>
+  <inkml:trace contextRef="#ctx0" brushRef="#br0">0 0,'13808'0,"-13778"0</inkml:trace>
+</inkml:ink>
+</file>
+
+<file path=ppt/ink/ink17.xml><?xml version="1.0" encoding="utf-8"?>
+<inkml:ink xmlns:inkml="http://www.w3.org/2003/InkML">
+  <inkml:definitions>
+    <inkml:context xml:id="ctx0">
+      <inkml:inkSource xml:id="inkSrc0">
+        <inkml:traceFormat>
+          <inkml:channel name="X" type="integer" min="-2.14748E9" max="2.14748E9" units="cm"/>
+          <inkml:channel name="Y" type="integer" min="-2.14748E9" max="2.14748E9" units="cm"/>
+        </inkml:traceFormat>
+        <inkml:channelProperties>
+          <inkml:channelProperty channel="X" name="resolution" value="1000" units="1/cm"/>
+          <inkml:channelProperty channel="Y" name="resolution" value="1000" units="1/cm"/>
+        </inkml:channelProperties>
+      </inkml:inkSource>
+      <inkml:timestamp xml:id="ts0" timeString="2023-05-06T15:18:33.270"/>
+    </inkml:context>
+    <inkml:brush xml:id="br0">
+      <inkml:brushProperty name="width" value="0.3" units="cm"/>
+      <inkml:brushProperty name="height" value="0.6" units="cm"/>
+      <inkml:brushProperty name="color" value="#C0E494"/>
+      <inkml:brushProperty name="tip" value="rectangle"/>
+      <inkml:brushProperty name="rasterOp" value="maskPen"/>
+      <inkml:brushProperty name="ignorePressure" value="1"/>
+    </inkml:brush>
+  </inkml:definitions>
+  <inkml:trace contextRef="#ctx0" brushRef="#br0">1 0,'1815'0,"-1776"0</inkml:trace>
+</inkml:ink>
+</file>
+
+<file path=ppt/ink/ink18.xml><?xml version="1.0" encoding="utf-8"?>
+<inkml:ink xmlns:inkml="http://www.w3.org/2003/InkML">
+  <inkml:definitions>
+    <inkml:context xml:id="ctx0">
+      <inkml:inkSource xml:id="inkSrc0">
+        <inkml:traceFormat>
+          <inkml:channel name="X" type="integer" min="-2.14748E9" max="2.14748E9" units="cm"/>
+          <inkml:channel name="Y" type="integer" min="-2.14748E9" max="2.14748E9" units="cm"/>
+        </inkml:traceFormat>
+        <inkml:channelProperties>
+          <inkml:channelProperty channel="X" name="resolution" value="1000" units="1/cm"/>
+          <inkml:channelProperty channel="Y" name="resolution" value="1000" units="1/cm"/>
+        </inkml:channelProperties>
+      </inkml:inkSource>
+      <inkml:timestamp xml:id="ts0" timeString="2023-05-06T15:18:47.706"/>
+    </inkml:context>
+    <inkml:brush xml:id="br0">
+      <inkml:brushProperty name="width" value="0.3" units="cm"/>
+      <inkml:brushProperty name="height" value="0.6" units="cm"/>
+      <inkml:brushProperty name="color" value="#C0E494"/>
+      <inkml:brushProperty name="tip" value="rectangle"/>
+      <inkml:brushProperty name="rasterOp" value="maskPen"/>
+      <inkml:brushProperty name="ignorePressure" value="1"/>
+    </inkml:brush>
+  </inkml:definitions>
+  <inkml:trace contextRef="#ctx0" brushRef="#br0">0 0,'1717'0,"-1688"0</inkml:trace>
+</inkml:ink>
+</file>
+
+<file path=ppt/ink/ink19.xml><?xml version="1.0" encoding="utf-8"?>
+<inkml:ink xmlns:inkml="http://www.w3.org/2003/InkML">
+  <inkml:definitions>
+    <inkml:context xml:id="ctx0">
+      <inkml:inkSource xml:id="inkSrc0">
+        <inkml:traceFormat>
+          <inkml:channel name="X" type="integer" min="-2.14748E9" max="2.14748E9" units="cm"/>
+          <inkml:channel name="Y" type="integer" min="-2.14748E9" max="2.14748E9" units="cm"/>
+        </inkml:traceFormat>
+        <inkml:channelProperties>
+          <inkml:channelProperty channel="X" name="resolution" value="1000" units="1/cm"/>
+          <inkml:channelProperty channel="Y" name="resolution" value="1000" units="1/cm"/>
+        </inkml:channelProperties>
+      </inkml:inkSource>
+      <inkml:timestamp xml:id="ts0" timeString="2023-05-06T15:18:53.622"/>
+    </inkml:context>
+    <inkml:brush xml:id="br0">
+      <inkml:brushProperty name="width" value="0.3" units="cm"/>
+      <inkml:brushProperty name="height" value="0.6" units="cm"/>
+      <inkml:brushProperty name="color" value="#C0E494"/>
+      <inkml:brushProperty name="tip" value="rectangle"/>
+      <inkml:brushProperty name="rasterOp" value="maskPen"/>
+      <inkml:brushProperty name="ignorePressure" value="1"/>
+    </inkml:brush>
+  </inkml:definitions>
+  <inkml:trace contextRef="#ctx0" brushRef="#br0">1 0,'2004'0,"-1949"0</inkml:trace>
+</inkml:ink>
+</file>
+
+<file path=ppt/ink/ink2.xml><?xml version="1.0" encoding="utf-8"?>
+<inkml:ink xmlns:inkml="http://www.w3.org/2003/InkML">
+  <inkml:definitions>
+    <inkml:context xml:id="ctx0">
+      <inkml:inkSource xml:id="inkSrc0">
+        <inkml:traceFormat>
+          <inkml:channel name="X" type="integer" min="-2.14748E9" max="2.14748E9" units="cm"/>
+          <inkml:channel name="Y" type="integer" min="-2.14748E9" max="2.14748E9" units="cm"/>
+        </inkml:traceFormat>
+        <inkml:channelProperties>
+          <inkml:channelProperty channel="X" name="resolution" value="1000" units="1/cm"/>
+          <inkml:channelProperty channel="Y" name="resolution" value="1000" units="1/cm"/>
+        </inkml:channelProperties>
+      </inkml:inkSource>
+      <inkml:timestamp xml:id="ts0" timeString="2023-05-06T15:16:29.894"/>
+    </inkml:context>
+    <inkml:brush xml:id="br0">
+      <inkml:brushProperty name="width" value="0.3" units="cm"/>
+      <inkml:brushProperty name="height" value="0.6" units="cm"/>
+      <inkml:brushProperty name="color" value="#C0E494"/>
+      <inkml:brushProperty name="tip" value="rectangle"/>
+      <inkml:brushProperty name="rasterOp" value="maskPen"/>
+      <inkml:brushProperty name="ignorePressure" value="1"/>
+    </inkml:brush>
+  </inkml:definitions>
+  <inkml:trace contextRef="#ctx0" brushRef="#br0">1 1,'1335'0,"-1287"0</inkml:trace>
+</inkml:ink>
+</file>
+
+<file path=ppt/ink/ink20.xml><?xml version="1.0" encoding="utf-8"?>
+<inkml:ink xmlns:inkml="http://www.w3.org/2003/InkML">
+  <inkml:definitions>
+    <inkml:context xml:id="ctx0">
+      <inkml:inkSource xml:id="inkSrc0">
+        <inkml:traceFormat>
+          <inkml:channel name="X" type="integer" min="-2.14748E9" max="2.14748E9" units="cm"/>
+          <inkml:channel name="Y" type="integer" min="-2.14748E9" max="2.14748E9" units="cm"/>
+        </inkml:traceFormat>
+        <inkml:channelProperties>
+          <inkml:channelProperty channel="X" name="resolution" value="1000" units="1/cm"/>
+          <inkml:channelProperty channel="Y" name="resolution" value="1000" units="1/cm"/>
+        </inkml:channelProperties>
+      </inkml:inkSource>
+      <inkml:timestamp xml:id="ts0" timeString="2023-05-06T15:18:56.216"/>
+    </inkml:context>
+    <inkml:brush xml:id="br0">
+      <inkml:brushProperty name="width" value="0.3" units="cm"/>
+      <inkml:brushProperty name="height" value="0.6" units="cm"/>
+      <inkml:brushProperty name="color" value="#C0E494"/>
+      <inkml:brushProperty name="tip" value="rectangle"/>
+      <inkml:brushProperty name="rasterOp" value="maskPen"/>
+      <inkml:brushProperty name="ignorePressure" value="1"/>
+    </inkml:brush>
+  </inkml:definitions>
+  <inkml:trace contextRef="#ctx0" brushRef="#br0">0 0,'0'0</inkml:trace>
+</inkml:ink>
+</file>
+
+<file path=ppt/ink/ink21.xml><?xml version="1.0" encoding="utf-8"?>
+<inkml:ink xmlns:inkml="http://www.w3.org/2003/InkML">
+  <inkml:definitions>
+    <inkml:context xml:id="ctx0">
+      <inkml:inkSource xml:id="inkSrc0">
+        <inkml:traceFormat>
+          <inkml:channel name="X" type="integer" min="-2.14748E9" max="2.14748E9" units="cm"/>
+          <inkml:channel name="Y" type="integer" min="-2.14748E9" max="2.14748E9" units="cm"/>
+        </inkml:traceFormat>
+        <inkml:channelProperties>
+          <inkml:channelProperty channel="X" name="resolution" value="1000" units="1/cm"/>
+          <inkml:channelProperty channel="Y" name="resolution" value="1000" units="1/cm"/>
+        </inkml:channelProperties>
+      </inkml:inkSource>
+      <inkml:timestamp xml:id="ts0" timeString="2023-05-06T15:19:01.750"/>
+    </inkml:context>
+    <inkml:brush xml:id="br0">
+      <inkml:brushProperty name="width" value="0.3" units="cm"/>
+      <inkml:brushProperty name="height" value="0.6" units="cm"/>
+      <inkml:brushProperty name="color" value="#C0E494"/>
+      <inkml:brushProperty name="tip" value="rectangle"/>
+      <inkml:brushProperty name="rasterOp" value="maskPen"/>
+      <inkml:brushProperty name="ignorePressure" value="1"/>
+    </inkml:brush>
+  </inkml:definitions>
+  <inkml:trace contextRef="#ctx0" brushRef="#br0">0 1,'2843'0,"-2814"0</inkml:trace>
+</inkml:ink>
+</file>
+
+<file path=ppt/ink/ink22.xml><?xml version="1.0" encoding="utf-8"?>
+<inkml:ink xmlns:inkml="http://www.w3.org/2003/InkML">
+  <inkml:definitions>
+    <inkml:context xml:id="ctx0">
+      <inkml:inkSource xml:id="inkSrc0">
+        <inkml:traceFormat>
+          <inkml:channel name="X" type="integer" min="-2.14748E9" max="2.14748E9" units="cm"/>
+          <inkml:channel name="Y" type="integer" min="-2.14748E9" max="2.14748E9" units="cm"/>
+        </inkml:traceFormat>
+        <inkml:channelProperties>
+          <inkml:channelProperty channel="X" name="resolution" value="1000" units="1/cm"/>
+          <inkml:channelProperty channel="Y" name="resolution" value="1000" units="1/cm"/>
+        </inkml:channelProperties>
+      </inkml:inkSource>
+      <inkml:timestamp xml:id="ts0" timeString="2023-05-06T15:19:07.769"/>
+    </inkml:context>
+    <inkml:brush xml:id="br0">
+      <inkml:brushProperty name="width" value="0.3" units="cm"/>
+      <inkml:brushProperty name="height" value="0.6" units="cm"/>
+      <inkml:brushProperty name="color" value="#C0E494"/>
+      <inkml:brushProperty name="tip" value="rectangle"/>
+      <inkml:brushProperty name="rasterOp" value="maskPen"/>
+      <inkml:brushProperty name="ignorePressure" value="1"/>
+    </inkml:brush>
+  </inkml:definitions>
+  <inkml:trace contextRef="#ctx0" brushRef="#br0">1 1,'1714'0,"-1684"0</inkml:trace>
+</inkml:ink>
+</file>
+
+<file path=ppt/ink/ink23.xml><?xml version="1.0" encoding="utf-8"?>
+<inkml:ink xmlns:inkml="http://www.w3.org/2003/InkML">
+  <inkml:definitions>
+    <inkml:context xml:id="ctx0">
+      <inkml:inkSource xml:id="inkSrc0">
+        <inkml:traceFormat>
+          <inkml:channel name="X" type="integer" min="-2.14748E9" max="2.14748E9" units="cm"/>
+          <inkml:channel name="Y" type="integer" min="-2.14748E9" max="2.14748E9" units="cm"/>
+        </inkml:traceFormat>
+        <inkml:channelProperties>
+          <inkml:channelProperty channel="X" name="resolution" value="1000" units="1/cm"/>
+          <inkml:channelProperty channel="Y" name="resolution" value="1000" units="1/cm"/>
+        </inkml:channelProperties>
+      </inkml:inkSource>
+      <inkml:timestamp xml:id="ts0" timeString="2023-05-06T15:19:13.701"/>
+    </inkml:context>
+    <inkml:brush xml:id="br0">
+      <inkml:brushProperty name="width" value="0.3" units="cm"/>
+      <inkml:brushProperty name="height" value="0.6" units="cm"/>
+      <inkml:brushProperty name="color" value="#C0E494"/>
+      <inkml:brushProperty name="tip" value="rectangle"/>
+      <inkml:brushProperty name="rasterOp" value="maskPen"/>
+      <inkml:brushProperty name="ignorePressure" value="1"/>
+    </inkml:brush>
+  </inkml:definitions>
+  <inkml:trace contextRef="#ctx0" brushRef="#br0">1 1,'7'0,"11"0,10 0,8 0,5 0,4 0,1 0,2 0,7 0,2 0,-1 0,-2 0,-3 0,-1 0,-3 0,-1 0,-8 0,-11 0</inkml:trace>
+</inkml:ink>
+</file>
+
+<file path=ppt/ink/ink24.xml><?xml version="1.0" encoding="utf-8"?>
+<inkml:ink xmlns:inkml="http://www.w3.org/2003/InkML">
+  <inkml:definitions>
+    <inkml:context xml:id="ctx0">
+      <inkml:inkSource xml:id="inkSrc0">
+        <inkml:traceFormat>
+          <inkml:channel name="X" type="integer" min="-2.14748E9" max="2.14748E9" units="cm"/>
+          <inkml:channel name="Y" type="integer" min="-2.14748E9" max="2.14748E9" units="cm"/>
+        </inkml:traceFormat>
+        <inkml:channelProperties>
+          <inkml:channelProperty channel="X" name="resolution" value="1000" units="1/cm"/>
+          <inkml:channelProperty channel="Y" name="resolution" value="1000" units="1/cm"/>
+        </inkml:channelProperties>
+      </inkml:inkSource>
+      <inkml:timestamp xml:id="ts0" timeString="2023-05-06T15:19:52.254"/>
+    </inkml:context>
+    <inkml:brush xml:id="br0">
+      <inkml:brushProperty name="width" value="0.4" units="cm"/>
+      <inkml:brushProperty name="height" value="0.8" units="cm"/>
+      <inkml:brushProperty name="color" value="#C0E494"/>
+      <inkml:brushProperty name="tip" value="rectangle"/>
+      <inkml:brushProperty name="rasterOp" value="maskPen"/>
+      <inkml:brushProperty name="ignorePressure" value="1"/>
+    </inkml:brush>
+  </inkml:definitions>
+  <inkml:trace contextRef="#ctx0" brushRef="#br0">0 0,'5708'0,"-5679"0</inkml:trace>
+</inkml:ink>
+</file>
+
+<file path=ppt/ink/ink3.xml><?xml version="1.0" encoding="utf-8"?>
+<inkml:ink xmlns:inkml="http://www.w3.org/2003/InkML">
+  <inkml:definitions>
+    <inkml:context xml:id="ctx0">
+      <inkml:inkSource xml:id="inkSrc0">
+        <inkml:traceFormat>
+          <inkml:channel name="X" type="integer" min="-2.14748E9" max="2.14748E9" units="cm"/>
+          <inkml:channel name="Y" type="integer" min="-2.14748E9" max="2.14748E9" units="cm"/>
+        </inkml:traceFormat>
+        <inkml:channelProperties>
+          <inkml:channelProperty channel="X" name="resolution" value="1000" units="1/cm"/>
+          <inkml:channelProperty channel="Y" name="resolution" value="1000" units="1/cm"/>
+        </inkml:channelProperties>
+      </inkml:inkSource>
       <inkml:timestamp xml:id="ts0" timeString="2023-05-04T06:19:49.887"/>
     </inkml:context>
     <inkml:brush xml:id="br0">
@@ -156,7 +655,7 @@
 </inkml:ink>
 </file>
 
-<file path=ppt/ink/ink2.xml><?xml version="1.0" encoding="utf-8"?>
+<file path=ppt/ink/ink4.xml><?xml version="1.0" encoding="utf-8"?>
 <inkml:ink xmlns:inkml="http://www.w3.org/2003/InkML">
   <inkml:definitions>
     <inkml:context xml:id="ctx0">
@@ -185,7 +684,7 @@
 </inkml:ink>
 </file>
 
-<file path=ppt/ink/ink3.xml><?xml version="1.0" encoding="utf-8"?>
+<file path=ppt/ink/ink5.xml><?xml version="1.0" encoding="utf-8"?>
 <inkml:ink xmlns:inkml="http://www.w3.org/2003/InkML">
   <inkml:definitions>
     <inkml:context xml:id="ctx0">
@@ -214,7 +713,7 @@
 </inkml:ink>
 </file>
 
-<file path=ppt/ink/ink4.xml><?xml version="1.0" encoding="utf-8"?>
+<file path=ppt/ink/ink6.xml><?xml version="1.0" encoding="utf-8"?>
 <inkml:ink xmlns:inkml="http://www.w3.org/2003/InkML">
   <inkml:definitions>
     <inkml:context xml:id="ctx0">
@@ -242,7 +741,36 @@
 </inkml:ink>
 </file>
 
-<file path=ppt/ink/ink5.xml><?xml version="1.0" encoding="utf-8"?>
+<file path=ppt/ink/ink7.xml><?xml version="1.0" encoding="utf-8"?>
+<inkml:ink xmlns:inkml="http://www.w3.org/2003/InkML">
+  <inkml:definitions>
+    <inkml:context xml:id="ctx0">
+      <inkml:inkSource xml:id="inkSrc0">
+        <inkml:traceFormat>
+          <inkml:channel name="X" type="integer" min="-2.14748E9" max="2.14748E9" units="cm"/>
+          <inkml:channel name="Y" type="integer" min="-2.14748E9" max="2.14748E9" units="cm"/>
+        </inkml:traceFormat>
+        <inkml:channelProperties>
+          <inkml:channelProperty channel="X" name="resolution" value="1000" units="1/cm"/>
+          <inkml:channelProperty channel="Y" name="resolution" value="1000" units="1/cm"/>
+        </inkml:channelProperties>
+      </inkml:inkSource>
+      <inkml:timestamp xml:id="ts0" timeString="2023-05-06T15:16:42.930"/>
+    </inkml:context>
+    <inkml:brush xml:id="br0">
+      <inkml:brushProperty name="width" value="0.3" units="cm"/>
+      <inkml:brushProperty name="height" value="0.6" units="cm"/>
+      <inkml:brushProperty name="color" value="#C0E494"/>
+      <inkml:brushProperty name="tip" value="rectangle"/>
+      <inkml:brushProperty name="rasterOp" value="maskPen"/>
+      <inkml:brushProperty name="ignorePressure" value="1"/>
+    </inkml:brush>
+  </inkml:definitions>
+  <inkml:trace contextRef="#ctx0" brushRef="#br0">1 0,'7'0,"11"0,10 0,7 0,6 0,12 0,4 0,0 0,-2 0,-2 0,-11 0,-4 0,-1 0,0 0,-5 0,-1 0,2 0,-4 0</inkml:trace>
+</inkml:ink>
+</file>
+
+<file path=ppt/ink/ink8.xml><?xml version="1.0" encoding="utf-8"?>
 <inkml:ink xmlns:inkml="http://www.w3.org/2003/InkML">
   <inkml:definitions>
     <inkml:context xml:id="ctx0">
@@ -267,6 +795,35 @@
     </inkml:brush>
   </inkml:definitions>
   <inkml:trace contextRef="#ctx0" brushRef="#br0">96 98 24575,'-1'8'0,"-1"0"0,0 1 0,0-1 0,-1 0 0,0 0 0,-1-1 0,0 1 0,0-1 0,-10 14 0,-16 34 0,23-26 0,0 0 0,2 1 0,1-1 0,2 1 0,0 0 0,4 36 0,-3-83 0,1-109 0,1 112 0,0 1 0,1-1 0,0 1 0,1 0 0,0 0 0,1 0 0,1 0 0,6-12 0,-7 19 0,0 0 0,1 0 0,0 0 0,1 1 0,-1 0 0,1 0 0,0 0 0,0 1 0,1 0 0,-1 0 0,1 0 0,0 1 0,0 0 0,0 0 0,0 1 0,1 0 0,-1 1 0,12-2 0,14 0 0,-1 1 0,1 1 0,33 5 0,-24-2 0,21 1 0,36 2 0,102-8 0,-170-2 0,48-11 0,-51 8 0,0 3 0,38-4 0,468 5 0,-273 7 0,-59-1 0,231-5 0,-250-18 0,27-1 0,68-2 0,73-1 0,-269 23 0,-46 0 0,-1 2 0,1 1 0,0 1 0,43 9 0,-74-9 0,1 0 0,0 1 0,0-1 0,-1 1 0,0 0 0,1 0 0,-1 1 0,0-1 0,-1 1 0,1 0 0,-1 1 0,0-1 0,0 1 0,0 0 0,0 0 0,-1 0 0,0 0 0,0 1 0,0-1 0,-1 1 0,0 0 0,0 0 0,0-1 0,-1 1 0,0 0 0,1 8 0,1 14 0,-2 0 0,0 0 0,-2 0 0,-7 40 0,7-59 0,-2 0 0,1 1 0,-1-1 0,-1 0 0,0-1 0,0 1 0,0-1 0,-1 1 0,-1-1 0,1-1 0,-1 1 0,0-1 0,-1 0 0,0 0 0,0-1 0,0 0 0,-1 0 0,0-1 0,-12 7 0,-10 3 0,0-1 0,-2-1 0,1-1 0,-38 8 0,-73 21 0,-93 23 0,186-54 0,-1-1 0,-94 2 0,113-11 0,-256-3 0,225-2 0,-1-2 0,-97-23 0,88 13 0,-2 4 0,-131-7 0,-153 18 0,221 4 0,-314 0 0,430-4 0,0 0 0,0-2 0,1 0 0,-1-1 0,1-1 0,0-1 0,0-1 0,1-1 0,-30-17 0,43 22 0,1 0 0,-1 0 0,1 0 0,0-1 0,1 1 0,-1-1 0,1-1 0,0 1 0,0 0 0,0-1 0,1 0 0,0 0 0,0 0 0,0 0 0,1 0 0,0-1 0,0 1 0,1-1 0,-2-13 0,3 14 0,-1 1 0,1-1 0,0 0 0,0 0 0,0 1 0,1-1 0,0 0 0,0 0 0,1 1 0,0-1 0,0 1 0,0 0 0,0-1 0,1 1 0,0 0 0,0 0 0,0 0 0,1 1 0,0-1 0,-1 1 0,2 0 0,-1 0 0,8-6 0,-2 5 0,0 0 0,1 0 0,-1 1 0,1 0 0,0 1 0,-1 0 0,15-1 0,82-4 0,-71 7 0,709-1 0,-329 7 0,-301-3 0,132-5 0,-130-17 0,-7 1 0,35-3 0,37-3 0,-80 20 0,-12 2 0,177-29 0,-187 14-341,1 3 0,1 4-1,118-1 1</inkml:trace>
+</inkml:ink>
+</file>
+
+<file path=ppt/ink/ink9.xml><?xml version="1.0" encoding="utf-8"?>
+<inkml:ink xmlns:inkml="http://www.w3.org/2003/InkML">
+  <inkml:definitions>
+    <inkml:context xml:id="ctx0">
+      <inkml:inkSource xml:id="inkSrc0">
+        <inkml:traceFormat>
+          <inkml:channel name="X" type="integer" min="-2.14748E9" max="2.14748E9" units="cm"/>
+          <inkml:channel name="Y" type="integer" min="-2.14748E9" max="2.14748E9" units="cm"/>
+        </inkml:traceFormat>
+        <inkml:channelProperties>
+          <inkml:channelProperty channel="X" name="resolution" value="1000" units="1/cm"/>
+          <inkml:channelProperty channel="Y" name="resolution" value="1000" units="1/cm"/>
+        </inkml:channelProperties>
+      </inkml:inkSource>
+      <inkml:timestamp xml:id="ts0" timeString="2023-05-06T15:16:58.726"/>
+    </inkml:context>
+    <inkml:brush xml:id="br0">
+      <inkml:brushProperty name="width" value="0.3" units="cm"/>
+      <inkml:brushProperty name="height" value="0.6" units="cm"/>
+      <inkml:brushProperty name="color" value="#C0E494"/>
+      <inkml:brushProperty name="tip" value="rectangle"/>
+      <inkml:brushProperty name="rasterOp" value="maskPen"/>
+      <inkml:brushProperty name="ignorePressure" value="1"/>
+    </inkml:brush>
+  </inkml:definitions>
+  <inkml:trace contextRef="#ctx0" brushRef="#br0">1 0,'1184'0,"-1147"0</inkml:trace>
 </inkml:ink>
 </file>
 
@@ -466,7 +1023,7 @@
           <a:p>
             <a:fld id="{96DFF08F-DC6B-4601-B491-B0F83F6DD2DA}" type="datetimeFigureOut">
               <a:rPr lang="en-US" smtClean="0"/>
-              <a:t>5/4/2023</a:t>
+              <a:t>5/6/2023</a:t>
             </a:fld>
             <a:endParaRPr lang="en-US" dirty="0"/>
           </a:p>
@@ -687,7 +1244,7 @@
           <a:p>
             <a:fld id="{96DFF08F-DC6B-4601-B491-B0F83F6DD2DA}" type="datetimeFigureOut">
               <a:rPr lang="en-US" smtClean="0"/>
-              <a:t>5/4/2023</a:t>
+              <a:t>5/6/2023</a:t>
             </a:fld>
             <a:endParaRPr lang="en-US" dirty="0"/>
           </a:p>
@@ -867,7 +1424,7 @@
           <a:p>
             <a:fld id="{96DFF08F-DC6B-4601-B491-B0F83F6DD2DA}" type="datetimeFigureOut">
               <a:rPr lang="en-US" smtClean="0"/>
-              <a:t>5/4/2023</a:t>
+              <a:t>5/6/2023</a:t>
             </a:fld>
             <a:endParaRPr lang="en-US" dirty="0"/>
           </a:p>
@@ -1037,7 +1594,7 @@
           <a:p>
             <a:fld id="{96DFF08F-DC6B-4601-B491-B0F83F6DD2DA}" type="datetimeFigureOut">
               <a:rPr lang="en-US" smtClean="0"/>
-              <a:t>5/4/2023</a:t>
+              <a:t>5/6/2023</a:t>
             </a:fld>
             <a:endParaRPr lang="en-US" dirty="0"/>
           </a:p>
@@ -1288,7 +1845,7 @@
           <a:p>
             <a:fld id="{96DFF08F-DC6B-4601-B491-B0F83F6DD2DA}" type="datetimeFigureOut">
               <a:rPr lang="en-US" smtClean="0"/>
-              <a:t>5/4/2023</a:t>
+              <a:t>5/6/2023</a:t>
             </a:fld>
             <a:endParaRPr lang="en-US" dirty="0"/>
           </a:p>
@@ -1611,7 +2168,7 @@
           <a:p>
             <a:fld id="{96DFF08F-DC6B-4601-B491-B0F83F6DD2DA}" type="datetimeFigureOut">
               <a:rPr lang="en-US" smtClean="0"/>
-              <a:t>5/4/2023</a:t>
+              <a:t>5/6/2023</a:t>
             </a:fld>
             <a:endParaRPr lang="en-US" dirty="0"/>
           </a:p>
@@ -2035,7 +2592,7 @@
           <a:p>
             <a:fld id="{96DFF08F-DC6B-4601-B491-B0F83F6DD2DA}" type="datetimeFigureOut">
               <a:rPr lang="en-US" smtClean="0"/>
-              <a:t>5/4/2023</a:t>
+              <a:t>5/6/2023</a:t>
             </a:fld>
             <a:endParaRPr lang="en-US" dirty="0"/>
           </a:p>
@@ -2153,7 +2710,7 @@
           <a:p>
             <a:fld id="{96DFF08F-DC6B-4601-B491-B0F83F6DD2DA}" type="datetimeFigureOut">
               <a:rPr lang="en-US" smtClean="0"/>
-              <a:t>5/4/2023</a:t>
+              <a:t>5/6/2023</a:t>
             </a:fld>
             <a:endParaRPr lang="en-US" dirty="0"/>
           </a:p>
@@ -2248,7 +2805,7 @@
           <a:p>
             <a:fld id="{96DFF08F-DC6B-4601-B491-B0F83F6DD2DA}" type="datetimeFigureOut">
               <a:rPr lang="en-US" smtClean="0"/>
-              <a:t>5/4/2023</a:t>
+              <a:t>5/6/2023</a:t>
             </a:fld>
             <a:endParaRPr lang="en-US" dirty="0"/>
           </a:p>
@@ -2538,7 +3095,7 @@
           <a:p>
             <a:fld id="{96DFF08F-DC6B-4601-B491-B0F83F6DD2DA}" type="datetimeFigureOut">
               <a:rPr lang="en-US" smtClean="0"/>
-              <a:t>5/4/2023</a:t>
+              <a:t>5/6/2023</a:t>
             </a:fld>
             <a:endParaRPr lang="en-US" dirty="0"/>
           </a:p>
@@ -2810,7 +3367,7 @@
           <a:p>
             <a:fld id="{96DFF08F-DC6B-4601-B491-B0F83F6DD2DA}" type="datetimeFigureOut">
               <a:rPr lang="en-US" smtClean="0"/>
-              <a:t>5/4/2023</a:t>
+              <a:t>5/6/2023</a:t>
             </a:fld>
             <a:endParaRPr lang="en-US" dirty="0"/>
           </a:p>
@@ -3065,7 +3622,7 @@
             <a:fld id="{96DFF08F-DC6B-4601-B491-B0F83F6DD2DA}" type="datetimeFigureOut">
               <a:rPr lang="en-US" smtClean="0"/>
               <a:pPr/>
-              <a:t>5/4/2023</a:t>
+              <a:t>5/6/2023</a:t>
             </a:fld>
             <a:endParaRPr lang="en-US" dirty="0"/>
           </a:p>
@@ -3687,6 +4244,429 @@
       </p:grpSpPr>
       <p:pic>
         <p:nvPicPr>
+          <p:cNvPr id="3" name="그림 2">
+            <a:extLst>
+              <a:ext uri="{FF2B5EF4-FFF2-40B4-BE49-F238E27FC236}">
+                <a16:creationId xmlns:a16="http://schemas.microsoft.com/office/drawing/2014/main" id="{F2FDB130-2976-5976-87A9-33E136A64033}"/>
+              </a:ext>
+            </a:extLst>
+          </p:cNvPr>
+          <p:cNvPicPr>
+            <a:picLocks noChangeAspect="1"/>
+          </p:cNvPicPr>
+          <p:nvPr/>
+        </p:nvPicPr>
+        <p:blipFill>
+          <a:blip r:embed="rId2"/>
+          <a:stretch>
+            <a:fillRect/>
+          </a:stretch>
+        </p:blipFill>
+        <p:spPr>
+          <a:xfrm>
+            <a:off x="408781" y="394259"/>
+            <a:ext cx="6917743" cy="6071855"/>
+          </a:xfrm>
+          <a:prstGeom prst="rect">
+            <a:avLst/>
+          </a:prstGeom>
+        </p:spPr>
+      </p:pic>
+      <p:pic>
+        <p:nvPicPr>
+          <p:cNvPr id="5" name="그림 4">
+            <a:extLst>
+              <a:ext uri="{FF2B5EF4-FFF2-40B4-BE49-F238E27FC236}">
+                <a16:creationId xmlns:a16="http://schemas.microsoft.com/office/drawing/2014/main" id="{9E359CE5-2D18-598F-2589-7FEEBB38CC56}"/>
+              </a:ext>
+            </a:extLst>
+          </p:cNvPr>
+          <p:cNvPicPr>
+            <a:picLocks noChangeAspect="1"/>
+          </p:cNvPicPr>
+          <p:nvPr/>
+        </p:nvPicPr>
+        <p:blipFill>
+          <a:blip r:embed="rId3"/>
+          <a:stretch>
+            <a:fillRect/>
+          </a:stretch>
+        </p:blipFill>
+        <p:spPr>
+          <a:xfrm>
+            <a:off x="8297983" y="3954275"/>
+            <a:ext cx="3466490" cy="2509077"/>
+          </a:xfrm>
+          <a:prstGeom prst="rect">
+            <a:avLst/>
+          </a:prstGeom>
+        </p:spPr>
+      </p:pic>
+      <mc:AlternateContent xmlns:mc="http://schemas.openxmlformats.org/markup-compatibility/2006">
+        <mc:Choice xmlns:p14="http://schemas.microsoft.com/office/powerpoint/2010/main" Requires="p14">
+          <p:contentPart p14:bwMode="auto" r:id="rId4">
+            <p14:nvContentPartPr>
+              <p14:cNvPr id="2" name="잉크 1">
+                <a:extLst>
+                  <a:ext uri="{FF2B5EF4-FFF2-40B4-BE49-F238E27FC236}">
+                    <a16:creationId xmlns:a16="http://schemas.microsoft.com/office/drawing/2014/main" id="{D5141D91-2F27-49C8-C5E1-6E0C22AF4B19}"/>
+                  </a:ext>
+                </a:extLst>
+              </p14:cNvPr>
+              <p14:cNvContentPartPr/>
+              <p14:nvPr/>
+            </p14:nvContentPartPr>
+            <p14:xfrm>
+              <a:off x="717814" y="939806"/>
+              <a:ext cx="651600" cy="360"/>
+            </p14:xfrm>
+          </p:contentPart>
+        </mc:Choice>
+        <mc:Fallback>
+          <p:pic>
+            <p:nvPicPr>
+              <p:cNvPr id="2" name="잉크 1">
+                <a:extLst>
+                  <a:ext uri="{FF2B5EF4-FFF2-40B4-BE49-F238E27FC236}">
+                    <a16:creationId xmlns:a16="http://schemas.microsoft.com/office/drawing/2014/main" id="{D5141D91-2F27-49C8-C5E1-6E0C22AF4B19}"/>
+                  </a:ext>
+                </a:extLst>
+              </p:cNvPr>
+              <p:cNvPicPr/>
+              <p:nvPr/>
+            </p:nvPicPr>
+            <p:blipFill>
+              <a:blip r:embed="rId5"/>
+              <a:stretch>
+                <a:fillRect/>
+              </a:stretch>
+            </p:blipFill>
+            <p:spPr>
+              <a:xfrm>
+                <a:off x="664174" y="832166"/>
+                <a:ext cx="759240" cy="216000"/>
+              </a:xfrm>
+              <a:prstGeom prst="rect">
+                <a:avLst/>
+              </a:prstGeom>
+            </p:spPr>
+          </p:pic>
+        </mc:Fallback>
+      </mc:AlternateContent>
+    </p:spTree>
+    <p:extLst>
+      <p:ext uri="{BB962C8B-B14F-4D97-AF65-F5344CB8AC3E}">
+        <p14:creationId xmlns:p14="http://schemas.microsoft.com/office/powerpoint/2010/main" val="986804646"/>
+      </p:ext>
+    </p:extLst>
+  </p:cSld>
+  <p:clrMapOvr>
+    <a:masterClrMapping/>
+  </p:clrMapOvr>
+</p:sld>
+</file>
+
+<file path=ppt/slides/slide11.xml><?xml version="1.0" encoding="utf-8"?>
+<p:sld xmlns:a="http://schemas.openxmlformats.org/drawingml/2006/main" xmlns:r="http://schemas.openxmlformats.org/officeDocument/2006/relationships" xmlns:p="http://schemas.openxmlformats.org/presentationml/2006/main">
+  <p:cSld>
+    <p:spTree>
+      <p:nvGrpSpPr>
+        <p:cNvPr id="1" name=""/>
+        <p:cNvGrpSpPr/>
+        <p:nvPr/>
+      </p:nvGrpSpPr>
+      <p:grpSpPr>
+        <a:xfrm>
+          <a:off x="0" y="0"/>
+          <a:ext cx="0" cy="0"/>
+          <a:chOff x="0" y="0"/>
+          <a:chExt cx="0" cy="0"/>
+        </a:xfrm>
+      </p:grpSpPr>
+      <p:pic>
+        <p:nvPicPr>
+          <p:cNvPr id="3" name="그림 2">
+            <a:extLst>
+              <a:ext uri="{FF2B5EF4-FFF2-40B4-BE49-F238E27FC236}">
+                <a16:creationId xmlns:a16="http://schemas.microsoft.com/office/drawing/2014/main" id="{D60727CC-5403-C3B2-C97E-CD1F1ADF8AFB}"/>
+              </a:ext>
+            </a:extLst>
+          </p:cNvPr>
+          <p:cNvPicPr>
+            <a:picLocks noChangeAspect="1"/>
+          </p:cNvPicPr>
+          <p:nvPr/>
+        </p:nvPicPr>
+        <p:blipFill>
+          <a:blip r:embed="rId2"/>
+          <a:stretch>
+            <a:fillRect/>
+          </a:stretch>
+        </p:blipFill>
+        <p:spPr>
+          <a:xfrm>
+            <a:off x="446504" y="456785"/>
+            <a:ext cx="11163110" cy="4725767"/>
+          </a:xfrm>
+          <a:prstGeom prst="rect">
+            <a:avLst/>
+          </a:prstGeom>
+        </p:spPr>
+      </p:pic>
+      <p:pic>
+        <p:nvPicPr>
+          <p:cNvPr id="5" name="그림 4">
+            <a:extLst>
+              <a:ext uri="{FF2B5EF4-FFF2-40B4-BE49-F238E27FC236}">
+                <a16:creationId xmlns:a16="http://schemas.microsoft.com/office/drawing/2014/main" id="{663DA269-5427-00EE-0284-73E86744DC29}"/>
+              </a:ext>
+            </a:extLst>
+          </p:cNvPr>
+          <p:cNvPicPr>
+            <a:picLocks noChangeAspect="1"/>
+          </p:cNvPicPr>
+          <p:nvPr/>
+        </p:nvPicPr>
+        <p:blipFill>
+          <a:blip r:embed="rId3"/>
+          <a:stretch>
+            <a:fillRect/>
+          </a:stretch>
+        </p:blipFill>
+        <p:spPr>
+          <a:xfrm>
+            <a:off x="8329345" y="3429000"/>
+            <a:ext cx="3416151" cy="3148800"/>
+          </a:xfrm>
+          <a:prstGeom prst="rect">
+            <a:avLst/>
+          </a:prstGeom>
+        </p:spPr>
+      </p:pic>
+      <mc:AlternateContent xmlns:mc="http://schemas.openxmlformats.org/markup-compatibility/2006">
+        <mc:Choice xmlns:p14="http://schemas.microsoft.com/office/powerpoint/2010/main" Requires="p14">
+          <p:contentPart p14:bwMode="auto" r:id="rId4">
+            <p14:nvContentPartPr>
+              <p14:cNvPr id="2" name="잉크 1">
+                <a:extLst>
+                  <a:ext uri="{FF2B5EF4-FFF2-40B4-BE49-F238E27FC236}">
+                    <a16:creationId xmlns:a16="http://schemas.microsoft.com/office/drawing/2014/main" id="{1AB82FE8-BB07-1121-40A5-13B1B2DC341E}"/>
+                  </a:ext>
+                </a:extLst>
+              </p14:cNvPr>
+              <p14:cNvContentPartPr/>
+              <p14:nvPr/>
+            </p14:nvContentPartPr>
+            <p14:xfrm>
+              <a:off x="1012294" y="1740086"/>
+              <a:ext cx="2006640" cy="360"/>
+            </p14:xfrm>
+          </p:contentPart>
+        </mc:Choice>
+        <mc:Fallback>
+          <p:pic>
+            <p:nvPicPr>
+              <p:cNvPr id="2" name="잉크 1">
+                <a:extLst>
+                  <a:ext uri="{FF2B5EF4-FFF2-40B4-BE49-F238E27FC236}">
+                    <a16:creationId xmlns:a16="http://schemas.microsoft.com/office/drawing/2014/main" id="{1AB82FE8-BB07-1121-40A5-13B1B2DC341E}"/>
+                  </a:ext>
+                </a:extLst>
+              </p:cNvPr>
+              <p:cNvPicPr/>
+              <p:nvPr/>
+            </p:nvPicPr>
+            <p:blipFill>
+              <a:blip r:embed="rId5"/>
+              <a:stretch>
+                <a:fillRect/>
+              </a:stretch>
+            </p:blipFill>
+            <p:spPr>
+              <a:xfrm>
+                <a:off x="958294" y="1632086"/>
+                <a:ext cx="2114280" cy="216000"/>
+              </a:xfrm>
+              <a:prstGeom prst="rect">
+                <a:avLst/>
+              </a:prstGeom>
+            </p:spPr>
+          </p:pic>
+        </mc:Fallback>
+      </mc:AlternateContent>
+    </p:spTree>
+    <p:extLst>
+      <p:ext uri="{BB962C8B-B14F-4D97-AF65-F5344CB8AC3E}">
+        <p14:creationId xmlns:p14="http://schemas.microsoft.com/office/powerpoint/2010/main" val="243593209"/>
+      </p:ext>
+    </p:extLst>
+  </p:cSld>
+  <p:clrMapOvr>
+    <a:masterClrMapping/>
+  </p:clrMapOvr>
+</p:sld>
+</file>
+
+<file path=ppt/slides/slide12.xml><?xml version="1.0" encoding="utf-8"?>
+<p:sld xmlns:a="http://schemas.openxmlformats.org/drawingml/2006/main" xmlns:r="http://schemas.openxmlformats.org/officeDocument/2006/relationships" xmlns:p="http://schemas.openxmlformats.org/presentationml/2006/main">
+  <p:cSld>
+    <p:spTree>
+      <p:nvGrpSpPr>
+        <p:cNvPr id="1" name=""/>
+        <p:cNvGrpSpPr/>
+        <p:nvPr/>
+      </p:nvGrpSpPr>
+      <p:grpSpPr>
+        <a:xfrm>
+          <a:off x="0" y="0"/>
+          <a:ext cx="0" cy="0"/>
+          <a:chOff x="0" y="0"/>
+          <a:chExt cx="0" cy="0"/>
+        </a:xfrm>
+      </p:grpSpPr>
+      <p:pic>
+        <p:nvPicPr>
+          <p:cNvPr id="3" name="그림 2">
+            <a:extLst>
+              <a:ext uri="{FF2B5EF4-FFF2-40B4-BE49-F238E27FC236}">
+                <a16:creationId xmlns:a16="http://schemas.microsoft.com/office/drawing/2014/main" id="{06040839-E0FC-B87B-87B7-7BFC884A464F}"/>
+              </a:ext>
+            </a:extLst>
+          </p:cNvPr>
+          <p:cNvPicPr>
+            <a:picLocks noChangeAspect="1"/>
+          </p:cNvPicPr>
+          <p:nvPr/>
+        </p:nvPicPr>
+        <p:blipFill>
+          <a:blip r:embed="rId2"/>
+          <a:stretch>
+            <a:fillRect/>
+          </a:stretch>
+        </p:blipFill>
+        <p:spPr>
+          <a:xfrm>
+            <a:off x="471642" y="408693"/>
+            <a:ext cx="8998929" cy="3474270"/>
+          </a:xfrm>
+          <a:prstGeom prst="rect">
+            <a:avLst/>
+          </a:prstGeom>
+        </p:spPr>
+      </p:pic>
+      <p:pic>
+        <p:nvPicPr>
+          <p:cNvPr id="5" name="그림 4">
+            <a:extLst>
+              <a:ext uri="{FF2B5EF4-FFF2-40B4-BE49-F238E27FC236}">
+                <a16:creationId xmlns:a16="http://schemas.microsoft.com/office/drawing/2014/main" id="{E75F2810-FDE5-24CB-FB74-0B6F7E719CE3}"/>
+              </a:ext>
+            </a:extLst>
+          </p:cNvPr>
+          <p:cNvPicPr>
+            <a:picLocks noChangeAspect="1"/>
+          </p:cNvPicPr>
+          <p:nvPr/>
+        </p:nvPicPr>
+        <p:blipFill>
+          <a:blip r:embed="rId3"/>
+          <a:stretch>
+            <a:fillRect/>
+          </a:stretch>
+        </p:blipFill>
+        <p:spPr>
+          <a:xfrm>
+            <a:off x="9691630" y="709808"/>
+            <a:ext cx="2159357" cy="5438383"/>
+          </a:xfrm>
+          <a:prstGeom prst="rect">
+            <a:avLst/>
+          </a:prstGeom>
+        </p:spPr>
+      </p:pic>
+      <mc:AlternateContent xmlns:mc="http://schemas.openxmlformats.org/markup-compatibility/2006">
+        <mc:Choice xmlns:p14="http://schemas.microsoft.com/office/powerpoint/2010/main" Requires="p14">
+          <p:contentPart p14:bwMode="auto" r:id="rId4">
+            <p14:nvContentPartPr>
+              <p14:cNvPr id="2" name="잉크 1">
+                <a:extLst>
+                  <a:ext uri="{FF2B5EF4-FFF2-40B4-BE49-F238E27FC236}">
+                    <a16:creationId xmlns:a16="http://schemas.microsoft.com/office/drawing/2014/main" id="{72A4C2C5-5A75-87A7-326D-9CAD2F0A3411}"/>
+                  </a:ext>
+                </a:extLst>
+              </p14:cNvPr>
+              <p14:cNvContentPartPr/>
+              <p14:nvPr/>
+            </p14:nvContentPartPr>
+            <p14:xfrm>
+              <a:off x="1371214" y="1544246"/>
+              <a:ext cx="5353920" cy="360"/>
+            </p14:xfrm>
+          </p:contentPart>
+        </mc:Choice>
+        <mc:Fallback>
+          <p:pic>
+            <p:nvPicPr>
+              <p:cNvPr id="2" name="잉크 1">
+                <a:extLst>
+                  <a:ext uri="{FF2B5EF4-FFF2-40B4-BE49-F238E27FC236}">
+                    <a16:creationId xmlns:a16="http://schemas.microsoft.com/office/drawing/2014/main" id="{72A4C2C5-5A75-87A7-326D-9CAD2F0A3411}"/>
+                  </a:ext>
+                </a:extLst>
+              </p:cNvPr>
+              <p:cNvPicPr/>
+              <p:nvPr/>
+            </p:nvPicPr>
+            <p:blipFill>
+              <a:blip r:embed="rId5"/>
+              <a:stretch>
+                <a:fillRect/>
+              </a:stretch>
+            </p:blipFill>
+            <p:spPr>
+              <a:xfrm>
+                <a:off x="1317574" y="1436246"/>
+                <a:ext cx="5461560" cy="216000"/>
+              </a:xfrm>
+              <a:prstGeom prst="rect">
+                <a:avLst/>
+              </a:prstGeom>
+            </p:spPr>
+          </p:pic>
+        </mc:Fallback>
+      </mc:AlternateContent>
+    </p:spTree>
+    <p:extLst>
+      <p:ext uri="{BB962C8B-B14F-4D97-AF65-F5344CB8AC3E}">
+        <p14:creationId xmlns:p14="http://schemas.microsoft.com/office/powerpoint/2010/main" val="3944477096"/>
+      </p:ext>
+    </p:extLst>
+  </p:cSld>
+  <p:clrMapOvr>
+    <a:masterClrMapping/>
+  </p:clrMapOvr>
+</p:sld>
+</file>
+
+<file path=ppt/slides/slide13.xml><?xml version="1.0" encoding="utf-8"?>
+<p:sld xmlns:a="http://schemas.openxmlformats.org/drawingml/2006/main" xmlns:r="http://schemas.openxmlformats.org/officeDocument/2006/relationships" xmlns:p="http://schemas.openxmlformats.org/presentationml/2006/main">
+  <p:cSld>
+    <p:spTree>
+      <p:nvGrpSpPr>
+        <p:cNvPr id="1" name=""/>
+        <p:cNvGrpSpPr/>
+        <p:nvPr/>
+      </p:nvGrpSpPr>
+      <p:grpSpPr>
+        <a:xfrm>
+          <a:off x="0" y="0"/>
+          <a:ext cx="0" cy="0"/>
+          <a:chOff x="0" y="0"/>
+          <a:chExt cx="0" cy="0"/>
+        </a:xfrm>
+      </p:grpSpPr>
+      <p:pic>
+        <p:nvPicPr>
           <p:cNvPr id="8" name="그림 7">
             <a:extLst>
               <a:ext uri="{FF2B5EF4-FFF2-40B4-BE49-F238E27FC236}">
@@ -3758,7 +4738,7 @@
 </p:sld>
 </file>
 
-<file path=ppt/slides/slide11.xml><?xml version="1.0" encoding="utf-8"?>
+<file path=ppt/slides/slide14.xml><?xml version="1.0" encoding="utf-8"?>
 <p:sld xmlns:a="http://schemas.openxmlformats.org/drawingml/2006/main" xmlns:r="http://schemas.openxmlformats.org/officeDocument/2006/relationships" xmlns:p="http://schemas.openxmlformats.org/presentationml/2006/main">
   <p:cSld>
     <p:spTree>
@@ -3878,7 +4858,111 @@
 </p:sld>
 </file>
 
-<file path=ppt/slides/slide12.xml><?xml version="1.0" encoding="utf-8"?>
+<file path=ppt/slides/slide15.xml><?xml version="1.0" encoding="utf-8"?>
+<p:sld xmlns:a="http://schemas.openxmlformats.org/drawingml/2006/main" xmlns:r="http://schemas.openxmlformats.org/officeDocument/2006/relationships" xmlns:p="http://schemas.openxmlformats.org/presentationml/2006/main">
+  <p:cSld>
+    <p:spTree>
+      <p:nvGrpSpPr>
+        <p:cNvPr id="1" name=""/>
+        <p:cNvGrpSpPr/>
+        <p:nvPr/>
+      </p:nvGrpSpPr>
+      <p:grpSpPr>
+        <a:xfrm>
+          <a:off x="0" y="0"/>
+          <a:ext cx="0" cy="0"/>
+          <a:chOff x="0" y="0"/>
+          <a:chExt cx="0" cy="0"/>
+        </a:xfrm>
+      </p:grpSpPr>
+      <p:sp>
+        <p:nvSpPr>
+          <p:cNvPr id="2" name="TextBox 1">
+            <a:extLst>
+              <a:ext uri="{FF2B5EF4-FFF2-40B4-BE49-F238E27FC236}">
+                <a16:creationId xmlns:a16="http://schemas.microsoft.com/office/drawing/2014/main" id="{6D5E47BA-144B-6E25-E282-8F211ABD5221}"/>
+              </a:ext>
+            </a:extLst>
+          </p:cNvPr>
+          <p:cNvSpPr txBox="1"/>
+          <p:nvPr/>
+        </p:nvSpPr>
+        <p:spPr>
+          <a:xfrm>
+            <a:off x="1139371" y="2610838"/>
+            <a:ext cx="9913258" cy="830997"/>
+          </a:xfrm>
+          <a:prstGeom prst="rect">
+            <a:avLst/>
+          </a:prstGeom>
+          <a:noFill/>
+        </p:spPr>
+        <p:txBody>
+          <a:bodyPr wrap="square" rtlCol="0">
+            <a:spAutoFit/>
+          </a:bodyPr>
+          <a:lstStyle/>
+          <a:p>
+            <a:pPr algn="ctr"/>
+            <a:r>
+              <a:rPr lang="en-US" altLang="ko-KR" sz="4800" b="1" dirty="0">
+                <a:solidFill>
+                  <a:schemeClr val="accent1"/>
+                </a:solidFill>
+                <a:latin typeface="+mn-ea"/>
+              </a:rPr>
+              <a:t>&lt; </a:t>
+            </a:r>
+            <a:r>
+              <a:rPr lang="ko-KR" altLang="en-US" sz="4800" b="1" dirty="0" err="1">
+                <a:solidFill>
+                  <a:schemeClr val="accent1"/>
+                </a:solidFill>
+                <a:latin typeface="+mn-ea"/>
+              </a:rPr>
+              <a:t>포멧팅</a:t>
+            </a:r>
+            <a:r>
+              <a:rPr lang="ko-KR" altLang="en-US" sz="4800" b="1" dirty="0">
+                <a:solidFill>
+                  <a:schemeClr val="accent1"/>
+                </a:solidFill>
+                <a:latin typeface="+mn-ea"/>
+              </a:rPr>
+              <a:t> </a:t>
+            </a:r>
+            <a:r>
+              <a:rPr lang="en-US" altLang="ko-KR" sz="4800" b="1" dirty="0">
+                <a:solidFill>
+                  <a:schemeClr val="accent1"/>
+                </a:solidFill>
+                <a:latin typeface="+mn-ea"/>
+              </a:rPr>
+              <a:t>&gt;</a:t>
+            </a:r>
+            <a:endParaRPr lang="ko-KR" altLang="en-US" sz="4800" b="1" dirty="0">
+              <a:solidFill>
+                <a:schemeClr val="accent1"/>
+              </a:solidFill>
+              <a:latin typeface="+mn-ea"/>
+            </a:endParaRPr>
+          </a:p>
+        </p:txBody>
+      </p:sp>
+    </p:spTree>
+    <p:extLst>
+      <p:ext uri="{BB962C8B-B14F-4D97-AF65-F5344CB8AC3E}">
+        <p14:creationId xmlns:p14="http://schemas.microsoft.com/office/powerpoint/2010/main" val="1202128566"/>
+      </p:ext>
+    </p:extLst>
+  </p:cSld>
+  <p:clrMapOvr>
+    <a:masterClrMapping/>
+  </p:clrMapOvr>
+</p:sld>
+</file>
+
+<file path=ppt/slides/slide16.xml><?xml version="1.0" encoding="utf-8"?>
 <p:sld xmlns:a="http://schemas.openxmlformats.org/drawingml/2006/main" xmlns:r="http://schemas.openxmlformats.org/officeDocument/2006/relationships" xmlns:p="http://schemas.openxmlformats.org/presentationml/2006/main">
   <p:cSld>
     <p:spTree>
@@ -3955,6 +5039,57 @@
           </a:prstGeom>
         </p:spPr>
       </p:pic>
+      <mc:AlternateContent xmlns:mc="http://schemas.openxmlformats.org/markup-compatibility/2006">
+        <mc:Choice xmlns:p14="http://schemas.microsoft.com/office/powerpoint/2010/main" Requires="p14">
+          <p:contentPart p14:bwMode="auto" r:id="rId4">
+            <p14:nvContentPartPr>
+              <p14:cNvPr id="2" name="잉크 1">
+                <a:extLst>
+                  <a:ext uri="{FF2B5EF4-FFF2-40B4-BE49-F238E27FC236}">
+                    <a16:creationId xmlns:a16="http://schemas.microsoft.com/office/drawing/2014/main" id="{C8A9E3D0-3A2B-4160-D762-DE74B7454929}"/>
+                  </a:ext>
+                </a:extLst>
+              </p14:cNvPr>
+              <p14:cNvContentPartPr/>
+              <p14:nvPr/>
+            </p14:nvContentPartPr>
+            <p14:xfrm>
+              <a:off x="799894" y="1429766"/>
+              <a:ext cx="1618200" cy="360"/>
+            </p14:xfrm>
+          </p:contentPart>
+        </mc:Choice>
+        <mc:Fallback>
+          <p:pic>
+            <p:nvPicPr>
+              <p:cNvPr id="2" name="잉크 1">
+                <a:extLst>
+                  <a:ext uri="{FF2B5EF4-FFF2-40B4-BE49-F238E27FC236}">
+                    <a16:creationId xmlns:a16="http://schemas.microsoft.com/office/drawing/2014/main" id="{C8A9E3D0-3A2B-4160-D762-DE74B7454929}"/>
+                  </a:ext>
+                </a:extLst>
+              </p:cNvPr>
+              <p:cNvPicPr/>
+              <p:nvPr/>
+            </p:nvPicPr>
+            <p:blipFill>
+              <a:blip r:embed="rId5"/>
+              <a:stretch>
+                <a:fillRect/>
+              </a:stretch>
+            </p:blipFill>
+            <p:spPr>
+              <a:xfrm>
+                <a:off x="745894" y="1322126"/>
+                <a:ext cx="1725840" cy="216000"/>
+              </a:xfrm>
+              <a:prstGeom prst="rect">
+                <a:avLst/>
+              </a:prstGeom>
+            </p:spPr>
+          </p:pic>
+        </mc:Fallback>
+      </mc:AlternateContent>
     </p:spTree>
     <p:extLst>
       <p:ext uri="{BB962C8B-B14F-4D97-AF65-F5344CB8AC3E}">
@@ -3968,7 +5103,7 @@
 </p:sld>
 </file>
 
-<file path=ppt/slides/slide13.xml><?xml version="1.0" encoding="utf-8"?>
+<file path=ppt/slides/slide17.xml><?xml version="1.0" encoding="utf-8"?>
 <p:sld xmlns:a="http://schemas.openxmlformats.org/drawingml/2006/main" xmlns:r="http://schemas.openxmlformats.org/officeDocument/2006/relationships" xmlns:p="http://schemas.openxmlformats.org/presentationml/2006/main">
   <p:cSld>
     <p:spTree>
@@ -4015,6 +5150,414 @@
           </a:prstGeom>
         </p:spPr>
       </p:pic>
+      <mc:AlternateContent xmlns:mc="http://schemas.openxmlformats.org/markup-compatibility/2006">
+        <mc:Choice xmlns:p14="http://schemas.microsoft.com/office/powerpoint/2010/main" Requires="p14">
+          <p:contentPart p14:bwMode="auto" r:id="rId3">
+            <p14:nvContentPartPr>
+              <p14:cNvPr id="2" name="잉크 1">
+                <a:extLst>
+                  <a:ext uri="{FF2B5EF4-FFF2-40B4-BE49-F238E27FC236}">
+                    <a16:creationId xmlns:a16="http://schemas.microsoft.com/office/drawing/2014/main" id="{7A90248C-5F9B-3C36-4EA6-9ABE76B5DF2F}"/>
+                  </a:ext>
+                </a:extLst>
+              </p14:cNvPr>
+              <p14:cNvContentPartPr/>
+              <p14:nvPr/>
+            </p14:nvContentPartPr>
+            <p14:xfrm>
+              <a:off x="1452934" y="1462526"/>
+              <a:ext cx="4982040" cy="360"/>
+            </p14:xfrm>
+          </p:contentPart>
+        </mc:Choice>
+        <mc:Fallback>
+          <p:pic>
+            <p:nvPicPr>
+              <p:cNvPr id="2" name="잉크 1">
+                <a:extLst>
+                  <a:ext uri="{FF2B5EF4-FFF2-40B4-BE49-F238E27FC236}">
+                    <a16:creationId xmlns:a16="http://schemas.microsoft.com/office/drawing/2014/main" id="{7A90248C-5F9B-3C36-4EA6-9ABE76B5DF2F}"/>
+                  </a:ext>
+                </a:extLst>
+              </p:cNvPr>
+              <p:cNvPicPr/>
+              <p:nvPr/>
+            </p:nvPicPr>
+            <p:blipFill>
+              <a:blip r:embed="rId4"/>
+              <a:stretch>
+                <a:fillRect/>
+              </a:stretch>
+            </p:blipFill>
+            <p:spPr>
+              <a:xfrm>
+                <a:off x="1398934" y="1354526"/>
+                <a:ext cx="5089680" cy="216000"/>
+              </a:xfrm>
+              <a:prstGeom prst="rect">
+                <a:avLst/>
+              </a:prstGeom>
+            </p:spPr>
+          </p:pic>
+        </mc:Fallback>
+      </mc:AlternateContent>
+      <mc:AlternateContent xmlns:mc="http://schemas.openxmlformats.org/markup-compatibility/2006">
+        <mc:Choice xmlns:p14="http://schemas.microsoft.com/office/powerpoint/2010/main" Requires="p14">
+          <p:contentPart p14:bwMode="auto" r:id="rId5">
+            <p14:nvContentPartPr>
+              <p14:cNvPr id="5" name="잉크 4">
+                <a:extLst>
+                  <a:ext uri="{FF2B5EF4-FFF2-40B4-BE49-F238E27FC236}">
+                    <a16:creationId xmlns:a16="http://schemas.microsoft.com/office/drawing/2014/main" id="{8E4B05F0-ED97-B76C-DAC6-95ACFC813729}"/>
+                  </a:ext>
+                </a:extLst>
+              </p14:cNvPr>
+              <p14:cNvContentPartPr/>
+              <p14:nvPr/>
+            </p14:nvContentPartPr>
+            <p14:xfrm>
+              <a:off x="881254" y="1919726"/>
+              <a:ext cx="667800" cy="360"/>
+            </p14:xfrm>
+          </p:contentPart>
+        </mc:Choice>
+        <mc:Fallback>
+          <p:pic>
+            <p:nvPicPr>
+              <p:cNvPr id="5" name="잉크 4">
+                <a:extLst>
+                  <a:ext uri="{FF2B5EF4-FFF2-40B4-BE49-F238E27FC236}">
+                    <a16:creationId xmlns:a16="http://schemas.microsoft.com/office/drawing/2014/main" id="{8E4B05F0-ED97-B76C-DAC6-95ACFC813729}"/>
+                  </a:ext>
+                </a:extLst>
+              </p:cNvPr>
+              <p:cNvPicPr/>
+              <p:nvPr/>
+            </p:nvPicPr>
+            <p:blipFill>
+              <a:blip r:embed="rId6"/>
+              <a:stretch>
+                <a:fillRect/>
+              </a:stretch>
+            </p:blipFill>
+            <p:spPr>
+              <a:xfrm>
+                <a:off x="827614" y="1811726"/>
+                <a:ext cx="775440" cy="216000"/>
+              </a:xfrm>
+              <a:prstGeom prst="rect">
+                <a:avLst/>
+              </a:prstGeom>
+            </p:spPr>
+          </p:pic>
+        </mc:Fallback>
+      </mc:AlternateContent>
+      <mc:AlternateContent xmlns:mc="http://schemas.openxmlformats.org/markup-compatibility/2006">
+        <mc:Choice xmlns:p14="http://schemas.microsoft.com/office/powerpoint/2010/main" Requires="p14">
+          <p:contentPart p14:bwMode="auto" r:id="rId7">
+            <p14:nvContentPartPr>
+              <p14:cNvPr id="7" name="잉크 6">
+                <a:extLst>
+                  <a:ext uri="{FF2B5EF4-FFF2-40B4-BE49-F238E27FC236}">
+                    <a16:creationId xmlns:a16="http://schemas.microsoft.com/office/drawing/2014/main" id="{F07B9CD6-6DE8-D1A2-3D04-86BEF5E7DD5E}"/>
+                  </a:ext>
+                </a:extLst>
+              </p14:cNvPr>
+              <p14:cNvContentPartPr/>
+              <p14:nvPr/>
+            </p14:nvContentPartPr>
+            <p14:xfrm>
+              <a:off x="897454" y="3013766"/>
+              <a:ext cx="628920" cy="360"/>
+            </p14:xfrm>
+          </p:contentPart>
+        </mc:Choice>
+        <mc:Fallback>
+          <p:pic>
+            <p:nvPicPr>
+              <p:cNvPr id="7" name="잉크 6">
+                <a:extLst>
+                  <a:ext uri="{FF2B5EF4-FFF2-40B4-BE49-F238E27FC236}">
+                    <a16:creationId xmlns:a16="http://schemas.microsoft.com/office/drawing/2014/main" id="{F07B9CD6-6DE8-D1A2-3D04-86BEF5E7DD5E}"/>
+                  </a:ext>
+                </a:extLst>
+              </p:cNvPr>
+              <p:cNvPicPr/>
+              <p:nvPr/>
+            </p:nvPicPr>
+            <p:blipFill>
+              <a:blip r:embed="rId8"/>
+              <a:stretch>
+                <a:fillRect/>
+              </a:stretch>
+            </p:blipFill>
+            <p:spPr>
+              <a:xfrm>
+                <a:off x="843454" y="2905766"/>
+                <a:ext cx="736560" cy="216000"/>
+              </a:xfrm>
+              <a:prstGeom prst="rect">
+                <a:avLst/>
+              </a:prstGeom>
+            </p:spPr>
+          </p:pic>
+        </mc:Fallback>
+      </mc:AlternateContent>
+      <mc:AlternateContent xmlns:mc="http://schemas.openxmlformats.org/markup-compatibility/2006">
+        <mc:Choice xmlns:p14="http://schemas.microsoft.com/office/powerpoint/2010/main" Requires="p14">
+          <p:contentPart p14:bwMode="auto" r:id="rId9">
+            <p14:nvContentPartPr>
+              <p14:cNvPr id="8" name="잉크 7">
+                <a:extLst>
+                  <a:ext uri="{FF2B5EF4-FFF2-40B4-BE49-F238E27FC236}">
+                    <a16:creationId xmlns:a16="http://schemas.microsoft.com/office/drawing/2014/main" id="{B18BB48C-424A-E433-DDA2-FD8F13D9C316}"/>
+                  </a:ext>
+                </a:extLst>
+              </p14:cNvPr>
+              <p14:cNvContentPartPr/>
+              <p14:nvPr/>
+            </p14:nvContentPartPr>
+            <p14:xfrm>
+              <a:off x="914014" y="3879206"/>
+              <a:ext cx="741600" cy="360"/>
+            </p14:xfrm>
+          </p:contentPart>
+        </mc:Choice>
+        <mc:Fallback>
+          <p:pic>
+            <p:nvPicPr>
+              <p:cNvPr id="8" name="잉크 7">
+                <a:extLst>
+                  <a:ext uri="{FF2B5EF4-FFF2-40B4-BE49-F238E27FC236}">
+                    <a16:creationId xmlns:a16="http://schemas.microsoft.com/office/drawing/2014/main" id="{B18BB48C-424A-E433-DDA2-FD8F13D9C316}"/>
+                  </a:ext>
+                </a:extLst>
+              </p:cNvPr>
+              <p:cNvPicPr/>
+              <p:nvPr/>
+            </p:nvPicPr>
+            <p:blipFill>
+              <a:blip r:embed="rId10"/>
+              <a:stretch>
+                <a:fillRect/>
+              </a:stretch>
+            </p:blipFill>
+            <p:spPr>
+              <a:xfrm>
+                <a:off x="860374" y="3771206"/>
+                <a:ext cx="849240" cy="216000"/>
+              </a:xfrm>
+              <a:prstGeom prst="rect">
+                <a:avLst/>
+              </a:prstGeom>
+            </p:spPr>
+          </p:pic>
+        </mc:Fallback>
+      </mc:AlternateContent>
+      <mc:AlternateContent xmlns:mc="http://schemas.openxmlformats.org/markup-compatibility/2006">
+        <mc:Choice xmlns:p14="http://schemas.microsoft.com/office/powerpoint/2010/main" Requires="p14">
+          <p:contentPart p14:bwMode="auto" r:id="rId11">
+            <p14:nvContentPartPr>
+              <p14:cNvPr id="9" name="잉크 8">
+                <a:extLst>
+                  <a:ext uri="{FF2B5EF4-FFF2-40B4-BE49-F238E27FC236}">
+                    <a16:creationId xmlns:a16="http://schemas.microsoft.com/office/drawing/2014/main" id="{7ED3B611-2F90-9EF3-FC89-49F7BB5987C7}"/>
+                  </a:ext>
+                </a:extLst>
+              </p14:cNvPr>
+              <p14:cNvContentPartPr/>
+              <p14:nvPr/>
+            </p14:nvContentPartPr>
+            <p14:xfrm>
+              <a:off x="1746694" y="3879206"/>
+              <a:ext cx="360" cy="360"/>
+            </p14:xfrm>
+          </p:contentPart>
+        </mc:Choice>
+        <mc:Fallback>
+          <p:pic>
+            <p:nvPicPr>
+              <p:cNvPr id="9" name="잉크 8">
+                <a:extLst>
+                  <a:ext uri="{FF2B5EF4-FFF2-40B4-BE49-F238E27FC236}">
+                    <a16:creationId xmlns:a16="http://schemas.microsoft.com/office/drawing/2014/main" id="{7ED3B611-2F90-9EF3-FC89-49F7BB5987C7}"/>
+                  </a:ext>
+                </a:extLst>
+              </p:cNvPr>
+              <p:cNvPicPr/>
+              <p:nvPr/>
+            </p:nvPicPr>
+            <p:blipFill>
+              <a:blip r:embed="rId12"/>
+              <a:stretch>
+                <a:fillRect/>
+              </a:stretch>
+            </p:blipFill>
+            <p:spPr>
+              <a:xfrm>
+                <a:off x="1692694" y="3771206"/>
+                <a:ext cx="108000" cy="216000"/>
+              </a:xfrm>
+              <a:prstGeom prst="rect">
+                <a:avLst/>
+              </a:prstGeom>
+            </p:spPr>
+          </p:pic>
+        </mc:Fallback>
+      </mc:AlternateContent>
+      <mc:AlternateContent xmlns:mc="http://schemas.openxmlformats.org/markup-compatibility/2006">
+        <mc:Choice xmlns:p14="http://schemas.microsoft.com/office/powerpoint/2010/main" Requires="p14">
+          <p:contentPart p14:bwMode="auto" r:id="rId13">
+            <p14:nvContentPartPr>
+              <p14:cNvPr id="10" name="잉크 9">
+                <a:extLst>
+                  <a:ext uri="{FF2B5EF4-FFF2-40B4-BE49-F238E27FC236}">
+                    <a16:creationId xmlns:a16="http://schemas.microsoft.com/office/drawing/2014/main" id="{CF5672A6-FB50-452F-6874-3E1B3FAEA406}"/>
+                  </a:ext>
+                </a:extLst>
+              </p14:cNvPr>
+              <p14:cNvContentPartPr/>
+              <p14:nvPr/>
+            </p14:nvContentPartPr>
+            <p14:xfrm>
+              <a:off x="897454" y="4760846"/>
+              <a:ext cx="1034280" cy="360"/>
+            </p14:xfrm>
+          </p:contentPart>
+        </mc:Choice>
+        <mc:Fallback>
+          <p:pic>
+            <p:nvPicPr>
+              <p:cNvPr id="10" name="잉크 9">
+                <a:extLst>
+                  <a:ext uri="{FF2B5EF4-FFF2-40B4-BE49-F238E27FC236}">
+                    <a16:creationId xmlns:a16="http://schemas.microsoft.com/office/drawing/2014/main" id="{CF5672A6-FB50-452F-6874-3E1B3FAEA406}"/>
+                  </a:ext>
+                </a:extLst>
+              </p:cNvPr>
+              <p:cNvPicPr/>
+              <p:nvPr/>
+            </p:nvPicPr>
+            <p:blipFill>
+              <a:blip r:embed="rId14"/>
+              <a:stretch>
+                <a:fillRect/>
+              </a:stretch>
+            </p:blipFill>
+            <p:spPr>
+              <a:xfrm>
+                <a:off x="843454" y="4653206"/>
+                <a:ext cx="1141920" cy="216000"/>
+              </a:xfrm>
+              <a:prstGeom prst="rect">
+                <a:avLst/>
+              </a:prstGeom>
+            </p:spPr>
+          </p:pic>
+        </mc:Fallback>
+      </mc:AlternateContent>
+      <mc:AlternateContent xmlns:mc="http://schemas.openxmlformats.org/markup-compatibility/2006">
+        <mc:Choice xmlns:p14="http://schemas.microsoft.com/office/powerpoint/2010/main" Requires="p14">
+          <p:contentPart p14:bwMode="auto" r:id="rId15">
+            <p14:nvContentPartPr>
+              <p14:cNvPr id="11" name="잉크 10">
+                <a:extLst>
+                  <a:ext uri="{FF2B5EF4-FFF2-40B4-BE49-F238E27FC236}">
+                    <a16:creationId xmlns:a16="http://schemas.microsoft.com/office/drawing/2014/main" id="{504A7DAB-3D60-FB46-0515-697805FA794B}"/>
+                  </a:ext>
+                </a:extLst>
+              </p14:cNvPr>
+              <p14:cNvContentPartPr/>
+              <p14:nvPr/>
+            </p14:nvContentPartPr>
+            <p14:xfrm>
+              <a:off x="914014" y="5185286"/>
+              <a:ext cx="628200" cy="360"/>
+            </p14:xfrm>
+          </p:contentPart>
+        </mc:Choice>
+        <mc:Fallback>
+          <p:pic>
+            <p:nvPicPr>
+              <p:cNvPr id="11" name="잉크 10">
+                <a:extLst>
+                  <a:ext uri="{FF2B5EF4-FFF2-40B4-BE49-F238E27FC236}">
+                    <a16:creationId xmlns:a16="http://schemas.microsoft.com/office/drawing/2014/main" id="{504A7DAB-3D60-FB46-0515-697805FA794B}"/>
+                  </a:ext>
+                </a:extLst>
+              </p:cNvPr>
+              <p:cNvPicPr/>
+              <p:nvPr/>
+            </p:nvPicPr>
+            <p:blipFill>
+              <a:blip r:embed="rId16"/>
+              <a:stretch>
+                <a:fillRect/>
+              </a:stretch>
+            </p:blipFill>
+            <p:spPr>
+              <a:xfrm>
+                <a:off x="860374" y="5077646"/>
+                <a:ext cx="735840" cy="216000"/>
+              </a:xfrm>
+              <a:prstGeom prst="rect">
+                <a:avLst/>
+              </a:prstGeom>
+            </p:spPr>
+          </p:pic>
+        </mc:Fallback>
+      </mc:AlternateContent>
+      <mc:AlternateContent xmlns:mc="http://schemas.openxmlformats.org/markup-compatibility/2006">
+        <mc:Choice xmlns:p14="http://schemas.microsoft.com/office/powerpoint/2010/main" Requires="p14">
+          <p:contentPart p14:bwMode="auto" r:id="rId17">
+            <p14:nvContentPartPr>
+              <p14:cNvPr id="12" name="잉크 11">
+                <a:extLst>
+                  <a:ext uri="{FF2B5EF4-FFF2-40B4-BE49-F238E27FC236}">
+                    <a16:creationId xmlns:a16="http://schemas.microsoft.com/office/drawing/2014/main" id="{38F8148B-B3B4-7CD5-E16F-5B6360C289B3}"/>
+                  </a:ext>
+                </a:extLst>
+              </p14:cNvPr>
+              <p14:cNvContentPartPr/>
+              <p14:nvPr/>
+            </p14:nvContentPartPr>
+            <p14:xfrm>
+              <a:off x="881254" y="6050726"/>
+              <a:ext cx="270360" cy="360"/>
+            </p14:xfrm>
+          </p:contentPart>
+        </mc:Choice>
+        <mc:Fallback>
+          <p:pic>
+            <p:nvPicPr>
+              <p:cNvPr id="12" name="잉크 11">
+                <a:extLst>
+                  <a:ext uri="{FF2B5EF4-FFF2-40B4-BE49-F238E27FC236}">
+                    <a16:creationId xmlns:a16="http://schemas.microsoft.com/office/drawing/2014/main" id="{38F8148B-B3B4-7CD5-E16F-5B6360C289B3}"/>
+                  </a:ext>
+                </a:extLst>
+              </p:cNvPr>
+              <p:cNvPicPr/>
+              <p:nvPr/>
+            </p:nvPicPr>
+            <p:blipFill>
+              <a:blip r:embed="rId18"/>
+              <a:stretch>
+                <a:fillRect/>
+              </a:stretch>
+            </p:blipFill>
+            <p:spPr>
+              <a:xfrm>
+                <a:off x="827614" y="5943086"/>
+                <a:ext cx="378000" cy="216000"/>
+              </a:xfrm>
+              <a:prstGeom prst="rect">
+                <a:avLst/>
+              </a:prstGeom>
+            </p:spPr>
+          </p:pic>
+        </mc:Fallback>
+      </mc:AlternateContent>
     </p:spTree>
     <p:extLst>
       <p:ext uri="{BB962C8B-B14F-4D97-AF65-F5344CB8AC3E}">
@@ -4028,7 +5571,7 @@
 </p:sld>
 </file>
 
-<file path=ppt/slides/slide14.xml><?xml version="1.0" encoding="utf-8"?>
+<file path=ppt/slides/slide18.xml><?xml version="1.0" encoding="utf-8"?>
 <p:sld xmlns:a="http://schemas.openxmlformats.org/drawingml/2006/main" xmlns:r="http://schemas.openxmlformats.org/officeDocument/2006/relationships" xmlns:p="http://schemas.openxmlformats.org/presentationml/2006/main">
   <p:cSld>
     <p:spTree>
@@ -4118,7 +5661,7 @@
 </p:sld>
 </file>
 
-<file path=ppt/slides/slide15.xml><?xml version="1.0" encoding="utf-8"?>
+<file path=ppt/slides/slide19.xml><?xml version="1.0" encoding="utf-8"?>
 <p:sld xmlns:a="http://schemas.openxmlformats.org/drawingml/2006/main" xmlns:r="http://schemas.openxmlformats.org/officeDocument/2006/relationships" xmlns:p="http://schemas.openxmlformats.org/presentationml/2006/main">
   <p:cSld>
     <p:spTree>
@@ -4195,6 +5738,57 @@
           </a:prstGeom>
         </p:spPr>
       </p:pic>
+      <mc:AlternateContent xmlns:mc="http://schemas.openxmlformats.org/markup-compatibility/2006">
+        <mc:Choice xmlns:p14="http://schemas.microsoft.com/office/powerpoint/2010/main" Requires="p14">
+          <p:contentPart p14:bwMode="auto" r:id="rId4">
+            <p14:nvContentPartPr>
+              <p14:cNvPr id="2" name="잉크 1">
+                <a:extLst>
+                  <a:ext uri="{FF2B5EF4-FFF2-40B4-BE49-F238E27FC236}">
+                    <a16:creationId xmlns:a16="http://schemas.microsoft.com/office/drawing/2014/main" id="{337C4FBF-FF75-1DD5-3A12-3394978C67A2}"/>
+                  </a:ext>
+                </a:extLst>
+              </p14:cNvPr>
+              <p14:cNvContentPartPr/>
+              <p14:nvPr/>
+            </p14:nvContentPartPr>
+            <p14:xfrm>
+              <a:off x="816094" y="1246886"/>
+              <a:ext cx="2065680" cy="360"/>
+            </p14:xfrm>
+          </p:contentPart>
+        </mc:Choice>
+        <mc:Fallback>
+          <p:pic>
+            <p:nvPicPr>
+              <p:cNvPr id="2" name="잉크 1">
+                <a:extLst>
+                  <a:ext uri="{FF2B5EF4-FFF2-40B4-BE49-F238E27FC236}">
+                    <a16:creationId xmlns:a16="http://schemas.microsoft.com/office/drawing/2014/main" id="{337C4FBF-FF75-1DD5-3A12-3394978C67A2}"/>
+                  </a:ext>
+                </a:extLst>
+              </p:cNvPr>
+              <p:cNvPicPr/>
+              <p:nvPr/>
+            </p:nvPicPr>
+            <p:blipFill>
+              <a:blip r:embed="rId5"/>
+              <a:stretch>
+                <a:fillRect/>
+              </a:stretch>
+            </p:blipFill>
+            <p:spPr>
+              <a:xfrm>
+                <a:off x="744094" y="1102886"/>
+                <a:ext cx="2209320" cy="288000"/>
+              </a:xfrm>
+              <a:prstGeom prst="rect">
+                <a:avLst/>
+              </a:prstGeom>
+            </p:spPr>
+          </p:pic>
+        </mc:Fallback>
+      </mc:AlternateContent>
     </p:spTree>
     <p:extLst>
       <p:ext uri="{BB962C8B-B14F-4D97-AF65-F5344CB8AC3E}">
@@ -4208,7 +5802,129 @@
 </p:sld>
 </file>
 
-<file path=ppt/slides/slide16.xml><?xml version="1.0" encoding="utf-8"?>
+<file path=ppt/slides/slide2.xml><?xml version="1.0" encoding="utf-8"?>
+<p:sld xmlns:a="http://schemas.openxmlformats.org/drawingml/2006/main" xmlns:r="http://schemas.openxmlformats.org/officeDocument/2006/relationships" xmlns:p="http://schemas.openxmlformats.org/presentationml/2006/main">
+  <p:cSld>
+    <p:spTree>
+      <p:nvGrpSpPr>
+        <p:cNvPr id="1" name=""/>
+        <p:cNvGrpSpPr/>
+        <p:nvPr/>
+      </p:nvGrpSpPr>
+      <p:grpSpPr>
+        <a:xfrm>
+          <a:off x="0" y="0"/>
+          <a:ext cx="0" cy="0"/>
+          <a:chOff x="0" y="0"/>
+          <a:chExt cx="0" cy="0"/>
+        </a:xfrm>
+      </p:grpSpPr>
+      <p:sp>
+        <p:nvSpPr>
+          <p:cNvPr id="2" name="제목 1">
+            <a:extLst>
+              <a:ext uri="{FF2B5EF4-FFF2-40B4-BE49-F238E27FC236}">
+                <a16:creationId xmlns:a16="http://schemas.microsoft.com/office/drawing/2014/main" id="{0E0D856F-4106-A50C-D169-B97267D7C681}"/>
+              </a:ext>
+            </a:extLst>
+          </p:cNvPr>
+          <p:cNvSpPr>
+            <a:spLocks noGrp="1"/>
+          </p:cNvSpPr>
+          <p:nvPr>
+            <p:ph type="title"/>
+          </p:nvPr>
+        </p:nvSpPr>
+        <p:spPr/>
+        <p:txBody>
+          <a:bodyPr/>
+          <a:lstStyle/>
+          <a:p>
+            <a:r>
+              <a:rPr lang="en-US" altLang="ko-KR" b="1" dirty="0"/>
+              <a:t>&lt; </a:t>
+            </a:r>
+            <a:r>
+              <a:rPr lang="ko-KR" altLang="en-US" b="1" dirty="0"/>
+              <a:t>학습 내용 </a:t>
+            </a:r>
+            <a:r>
+              <a:rPr lang="en-US" altLang="ko-KR" b="1" dirty="0"/>
+              <a:t>&gt;</a:t>
+            </a:r>
+            <a:endParaRPr lang="ko-KR" altLang="en-US" b="1" dirty="0"/>
+          </a:p>
+        </p:txBody>
+      </p:sp>
+      <p:sp>
+        <p:nvSpPr>
+          <p:cNvPr id="3" name="세로 텍스트 개체 틀 2">
+            <a:extLst>
+              <a:ext uri="{FF2B5EF4-FFF2-40B4-BE49-F238E27FC236}">
+                <a16:creationId xmlns:a16="http://schemas.microsoft.com/office/drawing/2014/main" id="{29490A46-00F2-4D62-ABCC-029E4074B162}"/>
+              </a:ext>
+            </a:extLst>
+          </p:cNvPr>
+          <p:cNvSpPr>
+            <a:spLocks noGrp="1"/>
+          </p:cNvSpPr>
+          <p:nvPr>
+            <p:ph type="body" orient="vert" idx="1"/>
+          </p:nvPr>
+        </p:nvSpPr>
+        <p:spPr/>
+        <p:txBody>
+          <a:bodyPr vert="horz">
+            <a:normAutofit/>
+          </a:bodyPr>
+          <a:lstStyle/>
+          <a:p>
+            <a:r>
+              <a:rPr lang="ko-KR" altLang="en-US" sz="4000" dirty="0"/>
+              <a:t> 문자열 다루기</a:t>
+            </a:r>
+            <a:endParaRPr lang="en-US" altLang="ko-KR" sz="4000" dirty="0"/>
+          </a:p>
+          <a:p>
+            <a:endParaRPr lang="en-US" altLang="ko-KR" sz="4000" dirty="0"/>
+          </a:p>
+          <a:p>
+            <a:r>
+              <a:rPr lang="ko-KR" altLang="en-US" sz="4000" dirty="0"/>
+              <a:t> 문자열 함수</a:t>
+            </a:r>
+            <a:endParaRPr lang="en-US" altLang="ko-KR" sz="4000" dirty="0"/>
+          </a:p>
+          <a:p>
+            <a:endParaRPr lang="en-US" altLang="ko-KR" sz="4000" dirty="0"/>
+          </a:p>
+          <a:p>
+            <a:r>
+              <a:rPr lang="ko-KR" altLang="en-US" sz="4000" dirty="0"/>
+              <a:t> </a:t>
+            </a:r>
+            <a:r>
+              <a:rPr lang="ko-KR" altLang="en-US" sz="4000" dirty="0" err="1"/>
+              <a:t>포멧팅</a:t>
+            </a:r>
+            <a:endParaRPr lang="ko-KR" altLang="en-US" sz="4000" dirty="0"/>
+          </a:p>
+        </p:txBody>
+      </p:sp>
+    </p:spTree>
+    <p:extLst>
+      <p:ext uri="{BB962C8B-B14F-4D97-AF65-F5344CB8AC3E}">
+        <p14:creationId xmlns:p14="http://schemas.microsoft.com/office/powerpoint/2010/main" val="618819181"/>
+      </p:ext>
+    </p:extLst>
+  </p:cSld>
+  <p:clrMapOvr>
+    <a:masterClrMapping/>
+  </p:clrMapOvr>
+</p:sld>
+</file>
+
+<file path=ppt/slides/slide20.xml><?xml version="1.0" encoding="utf-8"?>
 <p:sld xmlns:a="http://schemas.openxmlformats.org/drawingml/2006/main" xmlns:r="http://schemas.openxmlformats.org/officeDocument/2006/relationships" xmlns:p="http://schemas.openxmlformats.org/presentationml/2006/main">
   <p:cSld>
     <p:spTree>
@@ -4298,7 +6014,257 @@
 </p:sld>
 </file>
 
-<file path=ppt/slides/slide2.xml><?xml version="1.0" encoding="utf-8"?>
+<file path=ppt/slides/slide21.xml><?xml version="1.0" encoding="utf-8"?>
+<p:sld xmlns:a="http://schemas.openxmlformats.org/drawingml/2006/main" xmlns:r="http://schemas.openxmlformats.org/officeDocument/2006/relationships" xmlns:p="http://schemas.openxmlformats.org/presentationml/2006/main">
+  <p:cSld>
+    <p:spTree>
+      <p:nvGrpSpPr>
+        <p:cNvPr id="1" name=""/>
+        <p:cNvGrpSpPr/>
+        <p:nvPr/>
+      </p:nvGrpSpPr>
+      <p:grpSpPr>
+        <a:xfrm>
+          <a:off x="0" y="0"/>
+          <a:ext cx="0" cy="0"/>
+          <a:chOff x="0" y="0"/>
+          <a:chExt cx="0" cy="0"/>
+        </a:xfrm>
+      </p:grpSpPr>
+      <p:sp>
+        <p:nvSpPr>
+          <p:cNvPr id="2" name="TextBox 1">
+            <a:extLst>
+              <a:ext uri="{FF2B5EF4-FFF2-40B4-BE49-F238E27FC236}">
+                <a16:creationId xmlns:a16="http://schemas.microsoft.com/office/drawing/2014/main" id="{6D5E47BA-144B-6E25-E282-8F211ABD5221}"/>
+              </a:ext>
+            </a:extLst>
+          </p:cNvPr>
+          <p:cNvSpPr txBox="1"/>
+          <p:nvPr/>
+        </p:nvSpPr>
+        <p:spPr>
+          <a:xfrm>
+            <a:off x="1139371" y="2610838"/>
+            <a:ext cx="9913258" cy="830997"/>
+          </a:xfrm>
+          <a:prstGeom prst="rect">
+            <a:avLst/>
+          </a:prstGeom>
+          <a:noFill/>
+        </p:spPr>
+        <p:txBody>
+          <a:bodyPr wrap="square" rtlCol="0">
+            <a:spAutoFit/>
+          </a:bodyPr>
+          <a:lstStyle/>
+          <a:p>
+            <a:pPr algn="ctr"/>
+            <a:r>
+              <a:rPr lang="en-US" altLang="ko-KR" sz="4800" b="1" dirty="0">
+                <a:solidFill>
+                  <a:schemeClr val="accent1"/>
+                </a:solidFill>
+                <a:latin typeface="+mn-ea"/>
+              </a:rPr>
+              <a:t>&lt; </a:t>
+            </a:r>
+            <a:r>
+              <a:rPr lang="ko-KR" altLang="en-US" sz="4800" b="1" dirty="0">
+                <a:solidFill>
+                  <a:schemeClr val="accent1"/>
+                </a:solidFill>
+                <a:latin typeface="+mn-ea"/>
+              </a:rPr>
+              <a:t>정리하기 </a:t>
+            </a:r>
+            <a:r>
+              <a:rPr lang="en-US" altLang="ko-KR" sz="4800" b="1" dirty="0">
+                <a:solidFill>
+                  <a:schemeClr val="accent1"/>
+                </a:solidFill>
+                <a:latin typeface="+mn-ea"/>
+              </a:rPr>
+              <a:t>&gt;</a:t>
+            </a:r>
+            <a:endParaRPr lang="ko-KR" altLang="en-US" sz="4800" b="1" dirty="0">
+              <a:solidFill>
+                <a:schemeClr val="accent1"/>
+              </a:solidFill>
+              <a:latin typeface="+mn-ea"/>
+            </a:endParaRPr>
+          </a:p>
+        </p:txBody>
+      </p:sp>
+    </p:spTree>
+    <p:extLst>
+      <p:ext uri="{BB962C8B-B14F-4D97-AF65-F5344CB8AC3E}">
+        <p14:creationId xmlns:p14="http://schemas.microsoft.com/office/powerpoint/2010/main" val="3896227482"/>
+      </p:ext>
+    </p:extLst>
+  </p:cSld>
+  <p:clrMapOvr>
+    <a:masterClrMapping/>
+  </p:clrMapOvr>
+</p:sld>
+</file>
+
+<file path=ppt/slides/slide22.xml><?xml version="1.0" encoding="utf-8"?>
+<p:sld xmlns:a="http://schemas.openxmlformats.org/drawingml/2006/main" xmlns:r="http://schemas.openxmlformats.org/officeDocument/2006/relationships" xmlns:p="http://schemas.openxmlformats.org/presentationml/2006/main">
+  <p:cSld>
+    <p:spTree>
+      <p:nvGrpSpPr>
+        <p:cNvPr id="1" name=""/>
+        <p:cNvGrpSpPr/>
+        <p:nvPr/>
+      </p:nvGrpSpPr>
+      <p:grpSpPr>
+        <a:xfrm>
+          <a:off x="0" y="0"/>
+          <a:ext cx="0" cy="0"/>
+          <a:chOff x="0" y="0"/>
+          <a:chExt cx="0" cy="0"/>
+        </a:xfrm>
+      </p:grpSpPr>
+      <p:pic>
+        <p:nvPicPr>
+          <p:cNvPr id="3" name="그림 2">
+            <a:extLst>
+              <a:ext uri="{FF2B5EF4-FFF2-40B4-BE49-F238E27FC236}">
+                <a16:creationId xmlns:a16="http://schemas.microsoft.com/office/drawing/2014/main" id="{E336278E-5922-A14C-9B53-6EA1EC032C6D}"/>
+              </a:ext>
+            </a:extLst>
+          </p:cNvPr>
+          <p:cNvPicPr>
+            <a:picLocks noChangeAspect="1"/>
+          </p:cNvPicPr>
+          <p:nvPr/>
+        </p:nvPicPr>
+        <p:blipFill>
+          <a:blip r:embed="rId2"/>
+          <a:stretch>
+            <a:fillRect/>
+          </a:stretch>
+        </p:blipFill>
+        <p:spPr>
+          <a:xfrm>
+            <a:off x="393472" y="396377"/>
+            <a:ext cx="10187442" cy="6070701"/>
+          </a:xfrm>
+          <a:prstGeom prst="rect">
+            <a:avLst/>
+          </a:prstGeom>
+        </p:spPr>
+      </p:pic>
+    </p:spTree>
+    <p:extLst>
+      <p:ext uri="{BB962C8B-B14F-4D97-AF65-F5344CB8AC3E}">
+        <p14:creationId xmlns:p14="http://schemas.microsoft.com/office/powerpoint/2010/main" val="430546533"/>
+      </p:ext>
+    </p:extLst>
+  </p:cSld>
+  <p:clrMapOvr>
+    <a:masterClrMapping/>
+  </p:clrMapOvr>
+</p:sld>
+</file>
+
+<file path=ppt/slides/slide3.xml><?xml version="1.0" encoding="utf-8"?>
+<p:sld xmlns:a="http://schemas.openxmlformats.org/drawingml/2006/main" xmlns:r="http://schemas.openxmlformats.org/officeDocument/2006/relationships" xmlns:p="http://schemas.openxmlformats.org/presentationml/2006/main">
+  <p:cSld>
+    <p:spTree>
+      <p:nvGrpSpPr>
+        <p:cNvPr id="1" name=""/>
+        <p:cNvGrpSpPr/>
+        <p:nvPr/>
+      </p:nvGrpSpPr>
+      <p:grpSpPr>
+        <a:xfrm>
+          <a:off x="0" y="0"/>
+          <a:ext cx="0" cy="0"/>
+          <a:chOff x="0" y="0"/>
+          <a:chExt cx="0" cy="0"/>
+        </a:xfrm>
+      </p:grpSpPr>
+      <p:sp>
+        <p:nvSpPr>
+          <p:cNvPr id="2" name="TextBox 1">
+            <a:extLst>
+              <a:ext uri="{FF2B5EF4-FFF2-40B4-BE49-F238E27FC236}">
+                <a16:creationId xmlns:a16="http://schemas.microsoft.com/office/drawing/2014/main" id="{6D5E47BA-144B-6E25-E282-8F211ABD5221}"/>
+              </a:ext>
+            </a:extLst>
+          </p:cNvPr>
+          <p:cNvSpPr txBox="1"/>
+          <p:nvPr/>
+        </p:nvSpPr>
+        <p:spPr>
+          <a:xfrm>
+            <a:off x="1139371" y="2610838"/>
+            <a:ext cx="9913258" cy="830997"/>
+          </a:xfrm>
+          <a:prstGeom prst="rect">
+            <a:avLst/>
+          </a:prstGeom>
+          <a:noFill/>
+        </p:spPr>
+        <p:txBody>
+          <a:bodyPr wrap="square" rtlCol="0">
+            <a:spAutoFit/>
+          </a:bodyPr>
+          <a:lstStyle/>
+          <a:p>
+            <a:pPr algn="ctr"/>
+            <a:r>
+              <a:rPr lang="en-US" altLang="ko-KR" sz="4800" b="1" dirty="0">
+                <a:solidFill>
+                  <a:schemeClr val="accent1"/>
+                </a:solidFill>
+                <a:latin typeface="+mn-ea"/>
+              </a:rPr>
+              <a:t>&lt; </a:t>
+            </a:r>
+            <a:r>
+              <a:rPr lang="ko-KR" altLang="en-US" sz="4800" b="1" dirty="0">
+                <a:solidFill>
+                  <a:schemeClr val="accent1"/>
+                </a:solidFill>
+                <a:latin typeface="+mn-ea"/>
+              </a:rPr>
+              <a:t>문자열 다루기 </a:t>
+            </a:r>
+            <a:r>
+              <a:rPr lang="en-US" altLang="ko-KR" sz="4800" b="1" dirty="0">
+                <a:solidFill>
+                  <a:schemeClr val="accent1"/>
+                </a:solidFill>
+                <a:latin typeface="+mn-ea"/>
+              </a:rPr>
+              <a:t>&gt;</a:t>
+            </a:r>
+            <a:endParaRPr lang="ko-KR" altLang="en-US" sz="4800" b="1" dirty="0">
+              <a:solidFill>
+                <a:schemeClr val="accent1"/>
+              </a:solidFill>
+              <a:latin typeface="+mn-ea"/>
+            </a:endParaRPr>
+          </a:p>
+        </p:txBody>
+      </p:sp>
+    </p:spTree>
+    <p:extLst>
+      <p:ext uri="{BB962C8B-B14F-4D97-AF65-F5344CB8AC3E}">
+        <p14:creationId xmlns:p14="http://schemas.microsoft.com/office/powerpoint/2010/main" val="2450836371"/>
+      </p:ext>
+    </p:extLst>
+  </p:cSld>
+  <p:clrMapOvr>
+    <a:masterClrMapping/>
+  </p:clrMapOvr>
+</p:sld>
+</file>
+
+<file path=ppt/slides/slide4.xml><?xml version="1.0" encoding="utf-8"?>
 <p:sld xmlns:a="http://schemas.openxmlformats.org/drawingml/2006/main" xmlns:r="http://schemas.openxmlformats.org/officeDocument/2006/relationships" xmlns:p="http://schemas.openxmlformats.org/presentationml/2006/main">
   <p:cSld>
     <p:spTree>
@@ -4375,6 +6341,57 @@
           </a:prstGeom>
         </p:spPr>
       </p:pic>
+      <mc:AlternateContent xmlns:mc="http://schemas.openxmlformats.org/markup-compatibility/2006">
+        <mc:Choice xmlns:p14="http://schemas.microsoft.com/office/powerpoint/2010/main" Requires="p14">
+          <p:contentPart p14:bwMode="auto" r:id="rId4">
+            <p14:nvContentPartPr>
+              <p14:cNvPr id="2" name="잉크 1">
+                <a:extLst>
+                  <a:ext uri="{FF2B5EF4-FFF2-40B4-BE49-F238E27FC236}">
+                    <a16:creationId xmlns:a16="http://schemas.microsoft.com/office/drawing/2014/main" id="{4BE1E2C3-B178-35CC-A13C-C5A4A4ED29EF}"/>
+                  </a:ext>
+                </a:extLst>
+              </p14:cNvPr>
+              <p14:cNvContentPartPr/>
+              <p14:nvPr/>
+            </p14:nvContentPartPr>
+            <p14:xfrm>
+              <a:off x="669214" y="1087046"/>
+              <a:ext cx="1304640" cy="360"/>
+            </p14:xfrm>
+          </p:contentPart>
+        </mc:Choice>
+        <mc:Fallback>
+          <p:pic>
+            <p:nvPicPr>
+              <p:cNvPr id="2" name="잉크 1">
+                <a:extLst>
+                  <a:ext uri="{FF2B5EF4-FFF2-40B4-BE49-F238E27FC236}">
+                    <a16:creationId xmlns:a16="http://schemas.microsoft.com/office/drawing/2014/main" id="{4BE1E2C3-B178-35CC-A13C-C5A4A4ED29EF}"/>
+                  </a:ext>
+                </a:extLst>
+              </p:cNvPr>
+              <p:cNvPicPr/>
+              <p:nvPr/>
+            </p:nvPicPr>
+            <p:blipFill>
+              <a:blip r:embed="rId5"/>
+              <a:stretch>
+                <a:fillRect/>
+              </a:stretch>
+            </p:blipFill>
+            <p:spPr>
+              <a:xfrm>
+                <a:off x="615214" y="979046"/>
+                <a:ext cx="1412280" cy="216000"/>
+              </a:xfrm>
+              <a:prstGeom prst="rect">
+                <a:avLst/>
+              </a:prstGeom>
+            </p:spPr>
+          </p:pic>
+        </mc:Fallback>
+      </mc:AlternateContent>
     </p:spTree>
     <p:extLst>
       <p:ext uri="{BB962C8B-B14F-4D97-AF65-F5344CB8AC3E}">
@@ -4388,7 +6405,7 @@
 </p:sld>
 </file>
 
-<file path=ppt/slides/slide3.xml><?xml version="1.0" encoding="utf-8"?>
+<file path=ppt/slides/slide5.xml><?xml version="1.0" encoding="utf-8"?>
 <p:sld xmlns:a="http://schemas.openxmlformats.org/drawingml/2006/main" xmlns:r="http://schemas.openxmlformats.org/officeDocument/2006/relationships" xmlns:p="http://schemas.openxmlformats.org/presentationml/2006/main">
   <p:cSld>
     <p:spTree>
@@ -4465,6 +6482,57 @@
           </a:prstGeom>
         </p:spPr>
       </p:pic>
+      <mc:AlternateContent xmlns:mc="http://schemas.openxmlformats.org/markup-compatibility/2006">
+        <mc:Choice xmlns:p14="http://schemas.microsoft.com/office/powerpoint/2010/main" Requires="p14">
+          <p:contentPart p14:bwMode="auto" r:id="rId4">
+            <p14:nvContentPartPr>
+              <p14:cNvPr id="4" name="잉크 3">
+                <a:extLst>
+                  <a:ext uri="{FF2B5EF4-FFF2-40B4-BE49-F238E27FC236}">
+                    <a16:creationId xmlns:a16="http://schemas.microsoft.com/office/drawing/2014/main" id="{A97E79B8-4891-77C9-CE05-7CD6C18D7D43}"/>
+                  </a:ext>
+                </a:extLst>
+              </p14:cNvPr>
+              <p14:cNvContentPartPr/>
+              <p14:nvPr/>
+            </p14:nvContentPartPr>
+            <p14:xfrm>
+              <a:off x="1958734" y="1119446"/>
+              <a:ext cx="498600" cy="360"/>
+            </p14:xfrm>
+          </p:contentPart>
+        </mc:Choice>
+        <mc:Fallback>
+          <p:pic>
+            <p:nvPicPr>
+              <p:cNvPr id="4" name="잉크 3">
+                <a:extLst>
+                  <a:ext uri="{FF2B5EF4-FFF2-40B4-BE49-F238E27FC236}">
+                    <a16:creationId xmlns:a16="http://schemas.microsoft.com/office/drawing/2014/main" id="{A97E79B8-4891-77C9-CE05-7CD6C18D7D43}"/>
+                  </a:ext>
+                </a:extLst>
+              </p:cNvPr>
+              <p:cNvPicPr/>
+              <p:nvPr/>
+            </p:nvPicPr>
+            <p:blipFill>
+              <a:blip r:embed="rId5"/>
+              <a:stretch>
+                <a:fillRect/>
+              </a:stretch>
+            </p:blipFill>
+            <p:spPr>
+              <a:xfrm>
+                <a:off x="1905094" y="1011806"/>
+                <a:ext cx="606240" cy="216000"/>
+              </a:xfrm>
+              <a:prstGeom prst="rect">
+                <a:avLst/>
+              </a:prstGeom>
+            </p:spPr>
+          </p:pic>
+        </mc:Fallback>
+      </mc:AlternateContent>
     </p:spTree>
     <p:extLst>
       <p:ext uri="{BB962C8B-B14F-4D97-AF65-F5344CB8AC3E}">
@@ -4478,7 +6546,102 @@
 </p:sld>
 </file>
 
-<file path=ppt/slides/slide4.xml><?xml version="1.0" encoding="utf-8"?>
+<file path=ppt/slides/slide6.xml><?xml version="1.0" encoding="utf-8"?>
+<p:sld xmlns:a="http://schemas.openxmlformats.org/drawingml/2006/main" xmlns:r="http://schemas.openxmlformats.org/officeDocument/2006/relationships" xmlns:p="http://schemas.openxmlformats.org/presentationml/2006/main">
+  <p:cSld>
+    <p:spTree>
+      <p:nvGrpSpPr>
+        <p:cNvPr id="1" name=""/>
+        <p:cNvGrpSpPr/>
+        <p:nvPr/>
+      </p:nvGrpSpPr>
+      <p:grpSpPr>
+        <a:xfrm>
+          <a:off x="0" y="0"/>
+          <a:ext cx="0" cy="0"/>
+          <a:chOff x="0" y="0"/>
+          <a:chExt cx="0" cy="0"/>
+        </a:xfrm>
+      </p:grpSpPr>
+      <p:sp>
+        <p:nvSpPr>
+          <p:cNvPr id="2" name="TextBox 1">
+            <a:extLst>
+              <a:ext uri="{FF2B5EF4-FFF2-40B4-BE49-F238E27FC236}">
+                <a16:creationId xmlns:a16="http://schemas.microsoft.com/office/drawing/2014/main" id="{6D5E47BA-144B-6E25-E282-8F211ABD5221}"/>
+              </a:ext>
+            </a:extLst>
+          </p:cNvPr>
+          <p:cNvSpPr txBox="1"/>
+          <p:nvPr/>
+        </p:nvSpPr>
+        <p:spPr>
+          <a:xfrm>
+            <a:off x="1139371" y="2610838"/>
+            <a:ext cx="9913258" cy="830997"/>
+          </a:xfrm>
+          <a:prstGeom prst="rect">
+            <a:avLst/>
+          </a:prstGeom>
+          <a:noFill/>
+        </p:spPr>
+        <p:txBody>
+          <a:bodyPr wrap="square" rtlCol="0">
+            <a:spAutoFit/>
+          </a:bodyPr>
+          <a:lstStyle/>
+          <a:p>
+            <a:pPr algn="ctr"/>
+            <a:r>
+              <a:rPr lang="en-US" altLang="ko-KR" sz="4800" b="1" dirty="0">
+                <a:solidFill>
+                  <a:schemeClr val="accent1"/>
+                </a:solidFill>
+                <a:latin typeface="+mn-ea"/>
+              </a:rPr>
+              <a:t>&lt; </a:t>
+            </a:r>
+            <a:r>
+              <a:rPr lang="ko-KR" altLang="en-US" sz="4800" b="1" dirty="0">
+                <a:solidFill>
+                  <a:schemeClr val="accent1"/>
+                </a:solidFill>
+                <a:latin typeface="+mn-ea"/>
+              </a:rPr>
+              <a:t>문자열 함수 </a:t>
+            </a:r>
+            <a:r>
+              <a:rPr lang="en-US" altLang="ko-KR" sz="4800" b="1" dirty="0">
+                <a:solidFill>
+                  <a:schemeClr val="accent1"/>
+                </a:solidFill>
+                <a:latin typeface="+mn-ea"/>
+              </a:rPr>
+              <a:t>&gt;</a:t>
+            </a:r>
+            <a:endParaRPr lang="ko-KR" altLang="en-US" sz="4800" b="1" dirty="0">
+              <a:solidFill>
+                <a:schemeClr val="accent1"/>
+              </a:solidFill>
+              <a:latin typeface="+mn-ea"/>
+            </a:endParaRPr>
+          </a:p>
+        </p:txBody>
+      </p:sp>
+    </p:spTree>
+    <p:extLst>
+      <p:ext uri="{BB962C8B-B14F-4D97-AF65-F5344CB8AC3E}">
+        <p14:creationId xmlns:p14="http://schemas.microsoft.com/office/powerpoint/2010/main" val="3013937065"/>
+      </p:ext>
+    </p:extLst>
+  </p:cSld>
+  <p:clrMapOvr>
+    <a:masterClrMapping/>
+  </p:clrMapOvr>
+</p:sld>
+</file>
+
+<file path=ppt/slides/slide7.xml><?xml version="1.0" encoding="utf-8"?>
 <p:sld xmlns:a="http://schemas.openxmlformats.org/drawingml/2006/main" xmlns:r="http://schemas.openxmlformats.org/officeDocument/2006/relationships" xmlns:p="http://schemas.openxmlformats.org/presentationml/2006/main">
   <p:cSld>
     <p:spTree>
@@ -4615,8 +6778,8 @@
           </a:prstGeom>
         </p:spPr>
       </p:pic>
-      <mc:AlternateContent xmlns:mc="http://schemas.openxmlformats.org/markup-compatibility/2006">
-        <mc:Choice xmlns:p14="http://schemas.microsoft.com/office/powerpoint/2010/main" Requires="p14">
+      <mc:AlternateContent xmlns:mc="http://schemas.openxmlformats.org/markup-compatibility/2006" xmlns:p14="http://schemas.microsoft.com/office/powerpoint/2010/main">
+        <mc:Choice Requires="p14">
           <p:contentPart p14:bwMode="auto" r:id="rId6">
             <p14:nvContentPartPr>
               <p14:cNvPr id="12" name="잉크 11">
@@ -4635,7 +6798,7 @@
             </p14:xfrm>
           </p:contentPart>
         </mc:Choice>
-        <mc:Fallback>
+        <mc:Fallback xmlns="">
           <p:pic>
             <p:nvPicPr>
               <p:cNvPr id="12" name="잉크 11">
@@ -4666,8 +6829,8 @@
           </p:pic>
         </mc:Fallback>
       </mc:AlternateContent>
-      <mc:AlternateContent xmlns:mc="http://schemas.openxmlformats.org/markup-compatibility/2006">
-        <mc:Choice xmlns:p14="http://schemas.microsoft.com/office/powerpoint/2010/main" Requires="p14">
+      <mc:AlternateContent xmlns:mc="http://schemas.openxmlformats.org/markup-compatibility/2006" xmlns:p14="http://schemas.microsoft.com/office/powerpoint/2010/main">
+        <mc:Choice Requires="p14">
           <p:contentPart p14:bwMode="auto" r:id="rId8">
             <p14:nvContentPartPr>
               <p14:cNvPr id="13" name="잉크 12">
@@ -4686,7 +6849,7 @@
             </p14:xfrm>
           </p:contentPart>
         </mc:Choice>
-        <mc:Fallback>
+        <mc:Fallback xmlns="">
           <p:pic>
             <p:nvPicPr>
               <p:cNvPr id="13" name="잉크 12">
@@ -4717,8 +6880,8 @@
           </p:pic>
         </mc:Fallback>
       </mc:AlternateContent>
-      <mc:AlternateContent xmlns:mc="http://schemas.openxmlformats.org/markup-compatibility/2006">
-        <mc:Choice xmlns:p14="http://schemas.microsoft.com/office/powerpoint/2010/main" Requires="p14">
+      <mc:AlternateContent xmlns:mc="http://schemas.openxmlformats.org/markup-compatibility/2006" xmlns:p14="http://schemas.microsoft.com/office/powerpoint/2010/main">
+        <mc:Choice Requires="p14">
           <p:contentPart p14:bwMode="auto" r:id="rId10">
             <p14:nvContentPartPr>
               <p14:cNvPr id="14" name="잉크 13">
@@ -4737,7 +6900,7 @@
             </p14:xfrm>
           </p:contentPart>
         </mc:Choice>
-        <mc:Fallback>
+        <mc:Fallback xmlns="">
           <p:pic>
             <p:nvPicPr>
               <p:cNvPr id="14" name="잉크 13">
@@ -4768,8 +6931,8 @@
           </p:pic>
         </mc:Fallback>
       </mc:AlternateContent>
-      <mc:AlternateContent xmlns:mc="http://schemas.openxmlformats.org/markup-compatibility/2006">
-        <mc:Choice xmlns:p14="http://schemas.microsoft.com/office/powerpoint/2010/main" Requires="p14">
+      <mc:AlternateContent xmlns:mc="http://schemas.openxmlformats.org/markup-compatibility/2006" xmlns:p14="http://schemas.microsoft.com/office/powerpoint/2010/main">
+        <mc:Choice Requires="p14">
           <p:contentPart p14:bwMode="auto" r:id="rId12">
             <p14:nvContentPartPr>
               <p14:cNvPr id="15" name="잉크 14">
@@ -4788,7 +6951,7 @@
             </p14:xfrm>
           </p:contentPart>
         </mc:Choice>
-        <mc:Fallback>
+        <mc:Fallback xmlns="">
           <p:pic>
             <p:nvPicPr>
               <p:cNvPr id="15" name="잉크 14">
@@ -4819,6 +6982,57 @@
           </p:pic>
         </mc:Fallback>
       </mc:AlternateContent>
+      <mc:AlternateContent xmlns:mc="http://schemas.openxmlformats.org/markup-compatibility/2006">
+        <mc:Choice xmlns:p14="http://schemas.microsoft.com/office/powerpoint/2010/main" Requires="p14">
+          <p:contentPart p14:bwMode="auto" r:id="rId14">
+            <p14:nvContentPartPr>
+              <p14:cNvPr id="2" name="잉크 1">
+                <a:extLst>
+                  <a:ext uri="{FF2B5EF4-FFF2-40B4-BE49-F238E27FC236}">
+                    <a16:creationId xmlns:a16="http://schemas.microsoft.com/office/drawing/2014/main" id="{E7A37223-3111-2561-78F1-3A66614E31D9}"/>
+                  </a:ext>
+                </a:extLst>
+              </p14:cNvPr>
+              <p14:cNvContentPartPr/>
+              <p14:nvPr/>
+            </p14:nvContentPartPr>
+            <p14:xfrm>
+              <a:off x="587494" y="858446"/>
+              <a:ext cx="246240" cy="360"/>
+            </p14:xfrm>
+          </p:contentPart>
+        </mc:Choice>
+        <mc:Fallback>
+          <p:pic>
+            <p:nvPicPr>
+              <p:cNvPr id="2" name="잉크 1">
+                <a:extLst>
+                  <a:ext uri="{FF2B5EF4-FFF2-40B4-BE49-F238E27FC236}">
+                    <a16:creationId xmlns:a16="http://schemas.microsoft.com/office/drawing/2014/main" id="{E7A37223-3111-2561-78F1-3A66614E31D9}"/>
+                  </a:ext>
+                </a:extLst>
+              </p:cNvPr>
+              <p:cNvPicPr/>
+              <p:nvPr/>
+            </p:nvPicPr>
+            <p:blipFill>
+              <a:blip r:embed="rId15"/>
+              <a:stretch>
+                <a:fillRect/>
+              </a:stretch>
+            </p:blipFill>
+            <p:spPr>
+              <a:xfrm>
+                <a:off x="533854" y="750446"/>
+                <a:ext cx="353880" cy="216000"/>
+              </a:xfrm>
+              <a:prstGeom prst="rect">
+                <a:avLst/>
+              </a:prstGeom>
+            </p:spPr>
+          </p:pic>
+        </mc:Fallback>
+      </mc:AlternateContent>
     </p:spTree>
     <p:extLst>
       <p:ext uri="{BB962C8B-B14F-4D97-AF65-F5344CB8AC3E}">
@@ -4832,7 +7046,7 @@
 </p:sld>
 </file>
 
-<file path=ppt/slides/slide5.xml><?xml version="1.0" encoding="utf-8"?>
+<file path=ppt/slides/slide8.xml><?xml version="1.0" encoding="utf-8"?>
 <p:sld xmlns:a="http://schemas.openxmlformats.org/drawingml/2006/main" xmlns:r="http://schemas.openxmlformats.org/officeDocument/2006/relationships" xmlns:p="http://schemas.openxmlformats.org/presentationml/2006/main">
   <p:cSld>
     <p:spTree>
@@ -4909,8 +7123,8 @@
           </a:prstGeom>
         </p:spPr>
       </p:pic>
-      <mc:AlternateContent xmlns:mc="http://schemas.openxmlformats.org/markup-compatibility/2006">
-        <mc:Choice xmlns:p14="http://schemas.microsoft.com/office/powerpoint/2010/main" Requires="p14">
+      <mc:AlternateContent xmlns:mc="http://schemas.openxmlformats.org/markup-compatibility/2006" xmlns:p14="http://schemas.microsoft.com/office/powerpoint/2010/main">
+        <mc:Choice Requires="p14">
           <p:contentPart p14:bwMode="auto" r:id="rId4">
             <p14:nvContentPartPr>
               <p14:cNvPr id="6" name="잉크 5">
@@ -4929,7 +7143,7 @@
             </p14:xfrm>
           </p:contentPart>
         </mc:Choice>
-        <mc:Fallback>
+        <mc:Fallback xmlns="">
           <p:pic>
             <p:nvPicPr>
               <p:cNvPr id="6" name="잉크 5">
@@ -4960,6 +7174,57 @@
           </p:pic>
         </mc:Fallback>
       </mc:AlternateContent>
+      <mc:AlternateContent xmlns:mc="http://schemas.openxmlformats.org/markup-compatibility/2006">
+        <mc:Choice xmlns:p14="http://schemas.microsoft.com/office/powerpoint/2010/main" Requires="p14">
+          <p:contentPart p14:bwMode="auto" r:id="rId6">
+            <p14:nvContentPartPr>
+              <p14:cNvPr id="2" name="잉크 1">
+                <a:extLst>
+                  <a:ext uri="{FF2B5EF4-FFF2-40B4-BE49-F238E27FC236}">
+                    <a16:creationId xmlns:a16="http://schemas.microsoft.com/office/drawing/2014/main" id="{2366DDA3-B6DD-BA04-B1CC-994EC473DA98}"/>
+                  </a:ext>
+                </a:extLst>
+              </p14:cNvPr>
+              <p14:cNvContentPartPr/>
+              <p14:nvPr/>
+            </p14:nvContentPartPr>
+            <p14:xfrm>
+              <a:off x="717814" y="1136006"/>
+              <a:ext cx="439920" cy="360"/>
+            </p14:xfrm>
+          </p:contentPart>
+        </mc:Choice>
+        <mc:Fallback>
+          <p:pic>
+            <p:nvPicPr>
+              <p:cNvPr id="2" name="잉크 1">
+                <a:extLst>
+                  <a:ext uri="{FF2B5EF4-FFF2-40B4-BE49-F238E27FC236}">
+                    <a16:creationId xmlns:a16="http://schemas.microsoft.com/office/drawing/2014/main" id="{2366DDA3-B6DD-BA04-B1CC-994EC473DA98}"/>
+                  </a:ext>
+                </a:extLst>
+              </p:cNvPr>
+              <p:cNvPicPr/>
+              <p:nvPr/>
+            </p:nvPicPr>
+            <p:blipFill>
+              <a:blip r:embed="rId7"/>
+              <a:stretch>
+                <a:fillRect/>
+              </a:stretch>
+            </p:blipFill>
+            <p:spPr>
+              <a:xfrm>
+                <a:off x="664174" y="1028006"/>
+                <a:ext cx="547560" cy="216000"/>
+              </a:xfrm>
+              <a:prstGeom prst="rect">
+                <a:avLst/>
+              </a:prstGeom>
+            </p:spPr>
+          </p:pic>
+        </mc:Fallback>
+      </mc:AlternateContent>
     </p:spTree>
     <p:extLst>
       <p:ext uri="{BB962C8B-B14F-4D97-AF65-F5344CB8AC3E}">
@@ -4973,7 +7238,7 @@
 </p:sld>
 </file>
 
-<file path=ppt/slides/slide6.xml><?xml version="1.0" encoding="utf-8"?>
+<file path=ppt/slides/slide9.xml><?xml version="1.0" encoding="utf-8"?>
 <p:sld xmlns:a="http://schemas.openxmlformats.org/drawingml/2006/main" xmlns:r="http://schemas.openxmlformats.org/officeDocument/2006/relationships" xmlns:p="http://schemas.openxmlformats.org/presentationml/2006/main">
   <p:cSld>
     <p:spTree>
@@ -5050,280 +7315,112 @@
           </a:prstGeom>
         </p:spPr>
       </p:pic>
+      <mc:AlternateContent xmlns:mc="http://schemas.openxmlformats.org/markup-compatibility/2006">
+        <mc:Choice xmlns:p14="http://schemas.microsoft.com/office/powerpoint/2010/main" Requires="p14">
+          <p:contentPart p14:bwMode="auto" r:id="rId4">
+            <p14:nvContentPartPr>
+              <p14:cNvPr id="2" name="잉크 1">
+                <a:extLst>
+                  <a:ext uri="{FF2B5EF4-FFF2-40B4-BE49-F238E27FC236}">
+                    <a16:creationId xmlns:a16="http://schemas.microsoft.com/office/drawing/2014/main" id="{AC9F5479-BF92-F39C-B95E-00B5A5A8F57E}"/>
+                  </a:ext>
+                </a:extLst>
+              </p14:cNvPr>
+              <p14:cNvContentPartPr/>
+              <p14:nvPr/>
+            </p14:nvContentPartPr>
+            <p14:xfrm>
+              <a:off x="881254" y="1965446"/>
+              <a:ext cx="1466640" cy="360"/>
+            </p14:xfrm>
+          </p:contentPart>
+        </mc:Choice>
+        <mc:Fallback>
+          <p:pic>
+            <p:nvPicPr>
+              <p:cNvPr id="2" name="잉크 1">
+                <a:extLst>
+                  <a:ext uri="{FF2B5EF4-FFF2-40B4-BE49-F238E27FC236}">
+                    <a16:creationId xmlns:a16="http://schemas.microsoft.com/office/drawing/2014/main" id="{AC9F5479-BF92-F39C-B95E-00B5A5A8F57E}"/>
+                  </a:ext>
+                </a:extLst>
+              </p:cNvPr>
+              <p:cNvPicPr/>
+              <p:nvPr/>
+            </p:nvPicPr>
+            <p:blipFill>
+              <a:blip r:embed="rId5"/>
+              <a:stretch>
+                <a:fillRect/>
+              </a:stretch>
+            </p:blipFill>
+            <p:spPr>
+              <a:xfrm>
+                <a:off x="809614" y="1821446"/>
+                <a:ext cx="1610280" cy="288000"/>
+              </a:xfrm>
+              <a:prstGeom prst="rect">
+                <a:avLst/>
+              </a:prstGeom>
+            </p:spPr>
+          </p:pic>
+        </mc:Fallback>
+      </mc:AlternateContent>
+      <mc:AlternateContent xmlns:mc="http://schemas.openxmlformats.org/markup-compatibility/2006">
+        <mc:Choice xmlns:p14="http://schemas.microsoft.com/office/powerpoint/2010/main" Requires="p14">
+          <p:contentPart p14:bwMode="auto" r:id="rId6">
+            <p14:nvContentPartPr>
+              <p14:cNvPr id="4" name="잉크 3">
+                <a:extLst>
+                  <a:ext uri="{FF2B5EF4-FFF2-40B4-BE49-F238E27FC236}">
+                    <a16:creationId xmlns:a16="http://schemas.microsoft.com/office/drawing/2014/main" id="{4AFA96D5-BAE9-AB3F-B696-11112217AAF6}"/>
+                  </a:ext>
+                </a:extLst>
+              </p14:cNvPr>
+              <p14:cNvContentPartPr/>
+              <p14:nvPr/>
+            </p14:nvContentPartPr>
+            <p14:xfrm>
+              <a:off x="881254" y="2291966"/>
+              <a:ext cx="1441800" cy="360"/>
+            </p14:xfrm>
+          </p:contentPart>
+        </mc:Choice>
+        <mc:Fallback>
+          <p:pic>
+            <p:nvPicPr>
+              <p:cNvPr id="4" name="잉크 3">
+                <a:extLst>
+                  <a:ext uri="{FF2B5EF4-FFF2-40B4-BE49-F238E27FC236}">
+                    <a16:creationId xmlns:a16="http://schemas.microsoft.com/office/drawing/2014/main" id="{4AFA96D5-BAE9-AB3F-B696-11112217AAF6}"/>
+                  </a:ext>
+                </a:extLst>
+              </p:cNvPr>
+              <p:cNvPicPr/>
+              <p:nvPr/>
+            </p:nvPicPr>
+            <p:blipFill>
+              <a:blip r:embed="rId7"/>
+              <a:stretch>
+                <a:fillRect/>
+              </a:stretch>
+            </p:blipFill>
+            <p:spPr>
+              <a:xfrm>
+                <a:off x="809614" y="2147966"/>
+                <a:ext cx="1585440" cy="288000"/>
+              </a:xfrm>
+              <a:prstGeom prst="rect">
+                <a:avLst/>
+              </a:prstGeom>
+            </p:spPr>
+          </p:pic>
+        </mc:Fallback>
+      </mc:AlternateContent>
     </p:spTree>
     <p:extLst>
       <p:ext uri="{BB962C8B-B14F-4D97-AF65-F5344CB8AC3E}">
         <p14:creationId xmlns:p14="http://schemas.microsoft.com/office/powerpoint/2010/main" val="1711955705"/>
-      </p:ext>
-    </p:extLst>
-  </p:cSld>
-  <p:clrMapOvr>
-    <a:masterClrMapping/>
-  </p:clrMapOvr>
-</p:sld>
-</file>
-
-<file path=ppt/slides/slide7.xml><?xml version="1.0" encoding="utf-8"?>
-<p:sld xmlns:a="http://schemas.openxmlformats.org/drawingml/2006/main" xmlns:r="http://schemas.openxmlformats.org/officeDocument/2006/relationships" xmlns:p="http://schemas.openxmlformats.org/presentationml/2006/main">
-  <p:cSld>
-    <p:spTree>
-      <p:nvGrpSpPr>
-        <p:cNvPr id="1" name=""/>
-        <p:cNvGrpSpPr/>
-        <p:nvPr/>
-      </p:nvGrpSpPr>
-      <p:grpSpPr>
-        <a:xfrm>
-          <a:off x="0" y="0"/>
-          <a:ext cx="0" cy="0"/>
-          <a:chOff x="0" y="0"/>
-          <a:chExt cx="0" cy="0"/>
-        </a:xfrm>
-      </p:grpSpPr>
-      <p:pic>
-        <p:nvPicPr>
-          <p:cNvPr id="3" name="그림 2">
-            <a:extLst>
-              <a:ext uri="{FF2B5EF4-FFF2-40B4-BE49-F238E27FC236}">
-                <a16:creationId xmlns:a16="http://schemas.microsoft.com/office/drawing/2014/main" id="{F2FDB130-2976-5976-87A9-33E136A64033}"/>
-              </a:ext>
-            </a:extLst>
-          </p:cNvPr>
-          <p:cNvPicPr>
-            <a:picLocks noChangeAspect="1"/>
-          </p:cNvPicPr>
-          <p:nvPr/>
-        </p:nvPicPr>
-        <p:blipFill>
-          <a:blip r:embed="rId2"/>
-          <a:stretch>
-            <a:fillRect/>
-          </a:stretch>
-        </p:blipFill>
-        <p:spPr>
-          <a:xfrm>
-            <a:off x="408781" y="394259"/>
-            <a:ext cx="6917743" cy="6071855"/>
-          </a:xfrm>
-          <a:prstGeom prst="rect">
-            <a:avLst/>
-          </a:prstGeom>
-        </p:spPr>
-      </p:pic>
-      <p:pic>
-        <p:nvPicPr>
-          <p:cNvPr id="5" name="그림 4">
-            <a:extLst>
-              <a:ext uri="{FF2B5EF4-FFF2-40B4-BE49-F238E27FC236}">
-                <a16:creationId xmlns:a16="http://schemas.microsoft.com/office/drawing/2014/main" id="{9E359CE5-2D18-598F-2589-7FEEBB38CC56}"/>
-              </a:ext>
-            </a:extLst>
-          </p:cNvPr>
-          <p:cNvPicPr>
-            <a:picLocks noChangeAspect="1"/>
-          </p:cNvPicPr>
-          <p:nvPr/>
-        </p:nvPicPr>
-        <p:blipFill>
-          <a:blip r:embed="rId3"/>
-          <a:stretch>
-            <a:fillRect/>
-          </a:stretch>
-        </p:blipFill>
-        <p:spPr>
-          <a:xfrm>
-            <a:off x="8297983" y="3954275"/>
-            <a:ext cx="3466490" cy="2509077"/>
-          </a:xfrm>
-          <a:prstGeom prst="rect">
-            <a:avLst/>
-          </a:prstGeom>
-        </p:spPr>
-      </p:pic>
-    </p:spTree>
-    <p:extLst>
-      <p:ext uri="{BB962C8B-B14F-4D97-AF65-F5344CB8AC3E}">
-        <p14:creationId xmlns:p14="http://schemas.microsoft.com/office/powerpoint/2010/main" val="986804646"/>
-      </p:ext>
-    </p:extLst>
-  </p:cSld>
-  <p:clrMapOvr>
-    <a:masterClrMapping/>
-  </p:clrMapOvr>
-</p:sld>
-</file>
-
-<file path=ppt/slides/slide8.xml><?xml version="1.0" encoding="utf-8"?>
-<p:sld xmlns:a="http://schemas.openxmlformats.org/drawingml/2006/main" xmlns:r="http://schemas.openxmlformats.org/officeDocument/2006/relationships" xmlns:p="http://schemas.openxmlformats.org/presentationml/2006/main">
-  <p:cSld>
-    <p:spTree>
-      <p:nvGrpSpPr>
-        <p:cNvPr id="1" name=""/>
-        <p:cNvGrpSpPr/>
-        <p:nvPr/>
-      </p:nvGrpSpPr>
-      <p:grpSpPr>
-        <a:xfrm>
-          <a:off x="0" y="0"/>
-          <a:ext cx="0" cy="0"/>
-          <a:chOff x="0" y="0"/>
-          <a:chExt cx="0" cy="0"/>
-        </a:xfrm>
-      </p:grpSpPr>
-      <p:pic>
-        <p:nvPicPr>
-          <p:cNvPr id="3" name="그림 2">
-            <a:extLst>
-              <a:ext uri="{FF2B5EF4-FFF2-40B4-BE49-F238E27FC236}">
-                <a16:creationId xmlns:a16="http://schemas.microsoft.com/office/drawing/2014/main" id="{D60727CC-5403-C3B2-C97E-CD1F1ADF8AFB}"/>
-              </a:ext>
-            </a:extLst>
-          </p:cNvPr>
-          <p:cNvPicPr>
-            <a:picLocks noChangeAspect="1"/>
-          </p:cNvPicPr>
-          <p:nvPr/>
-        </p:nvPicPr>
-        <p:blipFill>
-          <a:blip r:embed="rId2"/>
-          <a:stretch>
-            <a:fillRect/>
-          </a:stretch>
-        </p:blipFill>
-        <p:spPr>
-          <a:xfrm>
-            <a:off x="446504" y="456785"/>
-            <a:ext cx="11163110" cy="4725767"/>
-          </a:xfrm>
-          <a:prstGeom prst="rect">
-            <a:avLst/>
-          </a:prstGeom>
-        </p:spPr>
-      </p:pic>
-      <p:pic>
-        <p:nvPicPr>
-          <p:cNvPr id="5" name="그림 4">
-            <a:extLst>
-              <a:ext uri="{FF2B5EF4-FFF2-40B4-BE49-F238E27FC236}">
-                <a16:creationId xmlns:a16="http://schemas.microsoft.com/office/drawing/2014/main" id="{663DA269-5427-00EE-0284-73E86744DC29}"/>
-              </a:ext>
-            </a:extLst>
-          </p:cNvPr>
-          <p:cNvPicPr>
-            <a:picLocks noChangeAspect="1"/>
-          </p:cNvPicPr>
-          <p:nvPr/>
-        </p:nvPicPr>
-        <p:blipFill>
-          <a:blip r:embed="rId3"/>
-          <a:stretch>
-            <a:fillRect/>
-          </a:stretch>
-        </p:blipFill>
-        <p:spPr>
-          <a:xfrm>
-            <a:off x="8329345" y="3429000"/>
-            <a:ext cx="3416151" cy="3148800"/>
-          </a:xfrm>
-          <a:prstGeom prst="rect">
-            <a:avLst/>
-          </a:prstGeom>
-        </p:spPr>
-      </p:pic>
-    </p:spTree>
-    <p:extLst>
-      <p:ext uri="{BB962C8B-B14F-4D97-AF65-F5344CB8AC3E}">
-        <p14:creationId xmlns:p14="http://schemas.microsoft.com/office/powerpoint/2010/main" val="243593209"/>
-      </p:ext>
-    </p:extLst>
-  </p:cSld>
-  <p:clrMapOvr>
-    <a:masterClrMapping/>
-  </p:clrMapOvr>
-</p:sld>
-</file>
-
-<file path=ppt/slides/slide9.xml><?xml version="1.0" encoding="utf-8"?>
-<p:sld xmlns:a="http://schemas.openxmlformats.org/drawingml/2006/main" xmlns:r="http://schemas.openxmlformats.org/officeDocument/2006/relationships" xmlns:p="http://schemas.openxmlformats.org/presentationml/2006/main">
-  <p:cSld>
-    <p:spTree>
-      <p:nvGrpSpPr>
-        <p:cNvPr id="1" name=""/>
-        <p:cNvGrpSpPr/>
-        <p:nvPr/>
-      </p:nvGrpSpPr>
-      <p:grpSpPr>
-        <a:xfrm>
-          <a:off x="0" y="0"/>
-          <a:ext cx="0" cy="0"/>
-          <a:chOff x="0" y="0"/>
-          <a:chExt cx="0" cy="0"/>
-        </a:xfrm>
-      </p:grpSpPr>
-      <p:pic>
-        <p:nvPicPr>
-          <p:cNvPr id="3" name="그림 2">
-            <a:extLst>
-              <a:ext uri="{FF2B5EF4-FFF2-40B4-BE49-F238E27FC236}">
-                <a16:creationId xmlns:a16="http://schemas.microsoft.com/office/drawing/2014/main" id="{06040839-E0FC-B87B-87B7-7BFC884A464F}"/>
-              </a:ext>
-            </a:extLst>
-          </p:cNvPr>
-          <p:cNvPicPr>
-            <a:picLocks noChangeAspect="1"/>
-          </p:cNvPicPr>
-          <p:nvPr/>
-        </p:nvPicPr>
-        <p:blipFill>
-          <a:blip r:embed="rId2"/>
-          <a:stretch>
-            <a:fillRect/>
-          </a:stretch>
-        </p:blipFill>
-        <p:spPr>
-          <a:xfrm>
-            <a:off x="471642" y="408693"/>
-            <a:ext cx="8998929" cy="3474270"/>
-          </a:xfrm>
-          <a:prstGeom prst="rect">
-            <a:avLst/>
-          </a:prstGeom>
-        </p:spPr>
-      </p:pic>
-      <p:pic>
-        <p:nvPicPr>
-          <p:cNvPr id="5" name="그림 4">
-            <a:extLst>
-              <a:ext uri="{FF2B5EF4-FFF2-40B4-BE49-F238E27FC236}">
-                <a16:creationId xmlns:a16="http://schemas.microsoft.com/office/drawing/2014/main" id="{E75F2810-FDE5-24CB-FB74-0B6F7E719CE3}"/>
-              </a:ext>
-            </a:extLst>
-          </p:cNvPr>
-          <p:cNvPicPr>
-            <a:picLocks noChangeAspect="1"/>
-          </p:cNvPicPr>
-          <p:nvPr/>
-        </p:nvPicPr>
-        <p:blipFill>
-          <a:blip r:embed="rId3"/>
-          <a:stretch>
-            <a:fillRect/>
-          </a:stretch>
-        </p:blipFill>
-        <p:spPr>
-          <a:xfrm>
-            <a:off x="9691630" y="709808"/>
-            <a:ext cx="2159357" cy="5438383"/>
-          </a:xfrm>
-          <a:prstGeom prst="rect">
-            <a:avLst/>
-          </a:prstGeom>
-        </p:spPr>
-      </p:pic>
-    </p:spTree>
-    <p:extLst>
-      <p:ext uri="{BB962C8B-B14F-4D97-AF65-F5344CB8AC3E}">
-        <p14:creationId xmlns:p14="http://schemas.microsoft.com/office/powerpoint/2010/main" val="3944477096"/>
       </p:ext>
     </p:extLst>
   </p:cSld>

--- a/Python과제/Python_10강.pptx
+++ b/Python과제/Python_10강.pptx
@@ -1023,7 +1023,7 @@
           <a:p>
             <a:fld id="{96DFF08F-DC6B-4601-B491-B0F83F6DD2DA}" type="datetimeFigureOut">
               <a:rPr lang="en-US" smtClean="0"/>
-              <a:t>5/6/2023</a:t>
+              <a:t>5/7/2023</a:t>
             </a:fld>
             <a:endParaRPr lang="en-US" dirty="0"/>
           </a:p>
@@ -1244,7 +1244,7 @@
           <a:p>
             <a:fld id="{96DFF08F-DC6B-4601-B491-B0F83F6DD2DA}" type="datetimeFigureOut">
               <a:rPr lang="en-US" smtClean="0"/>
-              <a:t>5/6/2023</a:t>
+              <a:t>5/7/2023</a:t>
             </a:fld>
             <a:endParaRPr lang="en-US" dirty="0"/>
           </a:p>
@@ -1424,7 +1424,7 @@
           <a:p>
             <a:fld id="{96DFF08F-DC6B-4601-B491-B0F83F6DD2DA}" type="datetimeFigureOut">
               <a:rPr lang="en-US" smtClean="0"/>
-              <a:t>5/6/2023</a:t>
+              <a:t>5/7/2023</a:t>
             </a:fld>
             <a:endParaRPr lang="en-US" dirty="0"/>
           </a:p>
@@ -1594,7 +1594,7 @@
           <a:p>
             <a:fld id="{96DFF08F-DC6B-4601-B491-B0F83F6DD2DA}" type="datetimeFigureOut">
               <a:rPr lang="en-US" smtClean="0"/>
-              <a:t>5/6/2023</a:t>
+              <a:t>5/7/2023</a:t>
             </a:fld>
             <a:endParaRPr lang="en-US" dirty="0"/>
           </a:p>
@@ -1845,7 +1845,7 @@
           <a:p>
             <a:fld id="{96DFF08F-DC6B-4601-B491-B0F83F6DD2DA}" type="datetimeFigureOut">
               <a:rPr lang="en-US" smtClean="0"/>
-              <a:t>5/6/2023</a:t>
+              <a:t>5/7/2023</a:t>
             </a:fld>
             <a:endParaRPr lang="en-US" dirty="0"/>
           </a:p>
@@ -2168,7 +2168,7 @@
           <a:p>
             <a:fld id="{96DFF08F-DC6B-4601-B491-B0F83F6DD2DA}" type="datetimeFigureOut">
               <a:rPr lang="en-US" smtClean="0"/>
-              <a:t>5/6/2023</a:t>
+              <a:t>5/7/2023</a:t>
             </a:fld>
             <a:endParaRPr lang="en-US" dirty="0"/>
           </a:p>
@@ -2592,7 +2592,7 @@
           <a:p>
             <a:fld id="{96DFF08F-DC6B-4601-B491-B0F83F6DD2DA}" type="datetimeFigureOut">
               <a:rPr lang="en-US" smtClean="0"/>
-              <a:t>5/6/2023</a:t>
+              <a:t>5/7/2023</a:t>
             </a:fld>
             <a:endParaRPr lang="en-US" dirty="0"/>
           </a:p>
@@ -2710,7 +2710,7 @@
           <a:p>
             <a:fld id="{96DFF08F-DC6B-4601-B491-B0F83F6DD2DA}" type="datetimeFigureOut">
               <a:rPr lang="en-US" smtClean="0"/>
-              <a:t>5/6/2023</a:t>
+              <a:t>5/7/2023</a:t>
             </a:fld>
             <a:endParaRPr lang="en-US" dirty="0"/>
           </a:p>
@@ -2805,7 +2805,7 @@
           <a:p>
             <a:fld id="{96DFF08F-DC6B-4601-B491-B0F83F6DD2DA}" type="datetimeFigureOut">
               <a:rPr lang="en-US" smtClean="0"/>
-              <a:t>5/6/2023</a:t>
+              <a:t>5/7/2023</a:t>
             </a:fld>
             <a:endParaRPr lang="en-US" dirty="0"/>
           </a:p>
@@ -3095,7 +3095,7 @@
           <a:p>
             <a:fld id="{96DFF08F-DC6B-4601-B491-B0F83F6DD2DA}" type="datetimeFigureOut">
               <a:rPr lang="en-US" smtClean="0"/>
-              <a:t>5/6/2023</a:t>
+              <a:t>5/7/2023</a:t>
             </a:fld>
             <a:endParaRPr lang="en-US" dirty="0"/>
           </a:p>
@@ -3367,7 +3367,7 @@
           <a:p>
             <a:fld id="{96DFF08F-DC6B-4601-B491-B0F83F6DD2DA}" type="datetimeFigureOut">
               <a:rPr lang="en-US" smtClean="0"/>
-              <a:t>5/6/2023</a:t>
+              <a:t>5/7/2023</a:t>
             </a:fld>
             <a:endParaRPr lang="en-US" dirty="0"/>
           </a:p>
@@ -3622,7 +3622,7 @@
             <a:fld id="{96DFF08F-DC6B-4601-B491-B0F83F6DD2DA}" type="datetimeFigureOut">
               <a:rPr lang="en-US" smtClean="0"/>
               <a:pPr/>
-              <a:t>5/6/2023</a:t>
+              <a:t>5/7/2023</a:t>
             </a:fld>
             <a:endParaRPr lang="en-US" dirty="0"/>
           </a:p>
@@ -4302,8 +4302,8 @@
           </a:prstGeom>
         </p:spPr>
       </p:pic>
-      <mc:AlternateContent xmlns:mc="http://schemas.openxmlformats.org/markup-compatibility/2006">
-        <mc:Choice xmlns:p14="http://schemas.microsoft.com/office/powerpoint/2010/main" Requires="p14">
+      <mc:AlternateContent xmlns:mc="http://schemas.openxmlformats.org/markup-compatibility/2006" xmlns:p14="http://schemas.microsoft.com/office/powerpoint/2010/main">
+        <mc:Choice Requires="p14">
           <p:contentPart p14:bwMode="auto" r:id="rId4">
             <p14:nvContentPartPr>
               <p14:cNvPr id="2" name="잉크 1">
@@ -4322,7 +4322,7 @@
             </p14:xfrm>
           </p:contentPart>
         </mc:Choice>
-        <mc:Fallback>
+        <mc:Fallback xmlns="">
           <p:pic>
             <p:nvPicPr>
               <p:cNvPr id="2" name="잉크 1">
@@ -4353,6 +4353,51 @@
           </p:pic>
         </mc:Fallback>
       </mc:AlternateContent>
+      <p:sp>
+        <p:nvSpPr>
+          <p:cNvPr id="4" name="TextBox 3">
+            <a:extLst>
+              <a:ext uri="{FF2B5EF4-FFF2-40B4-BE49-F238E27FC236}">
+                <a16:creationId xmlns:a16="http://schemas.microsoft.com/office/drawing/2014/main" id="{7CFD5686-2302-DAD3-DEC1-5C442F404D2C}"/>
+              </a:ext>
+            </a:extLst>
+          </p:cNvPr>
+          <p:cNvSpPr txBox="1"/>
+          <p:nvPr/>
+        </p:nvSpPr>
+        <p:spPr>
+          <a:xfrm>
+            <a:off x="8231656" y="3584943"/>
+            <a:ext cx="2065283" cy="369332"/>
+          </a:xfrm>
+          <a:prstGeom prst="rect">
+            <a:avLst/>
+          </a:prstGeom>
+          <a:noFill/>
+        </p:spPr>
+        <p:txBody>
+          <a:bodyPr wrap="square" rtlCol="0">
+            <a:spAutoFit/>
+          </a:bodyPr>
+          <a:lstStyle/>
+          <a:p>
+            <a:pPr algn="ctr"/>
+            <a:r>
+              <a:rPr lang="en-US" altLang="ko-KR" b="1" dirty="0"/>
+              <a:t>&lt; print </a:t>
+            </a:r>
+            <a:r>
+              <a:rPr lang="ko-KR" altLang="en-US" b="1" dirty="0"/>
+              <a:t>결과 확인 </a:t>
+            </a:r>
+            <a:r>
+              <a:rPr lang="en-US" altLang="ko-KR" b="1" dirty="0"/>
+              <a:t>&gt;</a:t>
+            </a:r>
+            <a:endParaRPr lang="ko-KR" altLang="en-US" b="1" dirty="0"/>
+          </a:p>
+        </p:txBody>
+      </p:sp>
     </p:spTree>
     <p:extLst>
       <p:ext uri="{BB962C8B-B14F-4D97-AF65-F5344CB8AC3E}">
@@ -4443,8 +4488,8 @@
           </a:prstGeom>
         </p:spPr>
       </p:pic>
-      <mc:AlternateContent xmlns:mc="http://schemas.openxmlformats.org/markup-compatibility/2006">
-        <mc:Choice xmlns:p14="http://schemas.microsoft.com/office/powerpoint/2010/main" Requires="p14">
+      <mc:AlternateContent xmlns:mc="http://schemas.openxmlformats.org/markup-compatibility/2006" xmlns:p14="http://schemas.microsoft.com/office/powerpoint/2010/main">
+        <mc:Choice Requires="p14">
           <p:contentPart p14:bwMode="auto" r:id="rId4">
             <p14:nvContentPartPr>
               <p14:cNvPr id="2" name="잉크 1">
@@ -4463,7 +4508,7 @@
             </p14:xfrm>
           </p:contentPart>
         </mc:Choice>
-        <mc:Fallback>
+        <mc:Fallback xmlns="">
           <p:pic>
             <p:nvPicPr>
               <p:cNvPr id="2" name="잉크 1">
@@ -4494,6 +4539,51 @@
           </p:pic>
         </mc:Fallback>
       </mc:AlternateContent>
+      <p:sp>
+        <p:nvSpPr>
+          <p:cNvPr id="4" name="TextBox 3">
+            <a:extLst>
+              <a:ext uri="{FF2B5EF4-FFF2-40B4-BE49-F238E27FC236}">
+                <a16:creationId xmlns:a16="http://schemas.microsoft.com/office/drawing/2014/main" id="{844A8380-E809-6F11-E75C-3E1908D191E2}"/>
+              </a:ext>
+            </a:extLst>
+          </p:cNvPr>
+          <p:cNvSpPr txBox="1"/>
+          <p:nvPr/>
+        </p:nvSpPr>
+        <p:spPr>
+          <a:xfrm>
+            <a:off x="8329345" y="3059668"/>
+            <a:ext cx="2065283" cy="369332"/>
+          </a:xfrm>
+          <a:prstGeom prst="rect">
+            <a:avLst/>
+          </a:prstGeom>
+          <a:noFill/>
+        </p:spPr>
+        <p:txBody>
+          <a:bodyPr wrap="square" rtlCol="0">
+            <a:spAutoFit/>
+          </a:bodyPr>
+          <a:lstStyle/>
+          <a:p>
+            <a:pPr algn="ctr"/>
+            <a:r>
+              <a:rPr lang="en-US" altLang="ko-KR" b="1" dirty="0"/>
+              <a:t>&lt; print </a:t>
+            </a:r>
+            <a:r>
+              <a:rPr lang="ko-KR" altLang="en-US" b="1" dirty="0"/>
+              <a:t>결과 확인 </a:t>
+            </a:r>
+            <a:r>
+              <a:rPr lang="en-US" altLang="ko-KR" b="1" dirty="0"/>
+              <a:t>&gt;</a:t>
+            </a:r>
+            <a:endParaRPr lang="ko-KR" altLang="en-US" b="1" dirty="0"/>
+          </a:p>
+        </p:txBody>
+      </p:sp>
     </p:spTree>
     <p:extLst>
       <p:ext uri="{BB962C8B-B14F-4D97-AF65-F5344CB8AC3E}">
@@ -4584,8 +4674,8 @@
           </a:prstGeom>
         </p:spPr>
       </p:pic>
-      <mc:AlternateContent xmlns:mc="http://schemas.openxmlformats.org/markup-compatibility/2006">
-        <mc:Choice xmlns:p14="http://schemas.microsoft.com/office/powerpoint/2010/main" Requires="p14">
+      <mc:AlternateContent xmlns:mc="http://schemas.openxmlformats.org/markup-compatibility/2006" xmlns:p14="http://schemas.microsoft.com/office/powerpoint/2010/main">
+        <mc:Choice Requires="p14">
           <p:contentPart p14:bwMode="auto" r:id="rId4">
             <p14:nvContentPartPr>
               <p14:cNvPr id="2" name="잉크 1">
@@ -4604,7 +4694,7 @@
             </p14:xfrm>
           </p:contentPart>
         </mc:Choice>
-        <mc:Fallback>
+        <mc:Fallback xmlns="">
           <p:pic>
             <p:nvPicPr>
               <p:cNvPr id="2" name="잉크 1">
@@ -4635,6 +4725,51 @@
           </p:pic>
         </mc:Fallback>
       </mc:AlternateContent>
+      <p:sp>
+        <p:nvSpPr>
+          <p:cNvPr id="4" name="TextBox 3">
+            <a:extLst>
+              <a:ext uri="{FF2B5EF4-FFF2-40B4-BE49-F238E27FC236}">
+                <a16:creationId xmlns:a16="http://schemas.microsoft.com/office/drawing/2014/main" id="{595D9AE4-959D-0948-4948-68B342422BE4}"/>
+              </a:ext>
+            </a:extLst>
+          </p:cNvPr>
+          <p:cNvSpPr txBox="1"/>
+          <p:nvPr/>
+        </p:nvSpPr>
+        <p:spPr>
+          <a:xfrm>
+            <a:off x="9579607" y="340476"/>
+            <a:ext cx="2065283" cy="369332"/>
+          </a:xfrm>
+          <a:prstGeom prst="rect">
+            <a:avLst/>
+          </a:prstGeom>
+          <a:noFill/>
+        </p:spPr>
+        <p:txBody>
+          <a:bodyPr wrap="square" rtlCol="0">
+            <a:spAutoFit/>
+          </a:bodyPr>
+          <a:lstStyle/>
+          <a:p>
+            <a:pPr algn="ctr"/>
+            <a:r>
+              <a:rPr lang="en-US" altLang="ko-KR" b="1" dirty="0"/>
+              <a:t>&lt; print </a:t>
+            </a:r>
+            <a:r>
+              <a:rPr lang="ko-KR" altLang="en-US" b="1" dirty="0"/>
+              <a:t>결과 확인 </a:t>
+            </a:r>
+            <a:r>
+              <a:rPr lang="en-US" altLang="ko-KR" b="1" dirty="0"/>
+              <a:t>&gt;</a:t>
+            </a:r>
+            <a:endParaRPr lang="ko-KR" altLang="en-US" b="1" dirty="0"/>
+          </a:p>
+        </p:txBody>
+      </p:sp>
     </p:spTree>
     <p:extLst>
       <p:ext uri="{BB962C8B-B14F-4D97-AF65-F5344CB8AC3E}">
@@ -4717,7 +4852,7 @@
         </p:blipFill>
         <p:spPr>
           <a:xfrm>
-            <a:off x="406423" y="5298581"/>
+            <a:off x="406423" y="5534686"/>
             <a:ext cx="9276420" cy="1011974"/>
           </a:xfrm>
           <a:prstGeom prst="rect">
@@ -4725,6 +4860,51 @@
           </a:prstGeom>
         </p:spPr>
       </p:pic>
+      <p:sp>
+        <p:nvSpPr>
+          <p:cNvPr id="2" name="TextBox 1">
+            <a:extLst>
+              <a:ext uri="{FF2B5EF4-FFF2-40B4-BE49-F238E27FC236}">
+                <a16:creationId xmlns:a16="http://schemas.microsoft.com/office/drawing/2014/main" id="{8495046C-5810-5AD7-3054-7A22DCB8AB5A}"/>
+              </a:ext>
+            </a:extLst>
+          </p:cNvPr>
+          <p:cNvSpPr txBox="1"/>
+          <p:nvPr/>
+        </p:nvSpPr>
+        <p:spPr>
+          <a:xfrm>
+            <a:off x="406423" y="5162423"/>
+            <a:ext cx="2065283" cy="369332"/>
+          </a:xfrm>
+          <a:prstGeom prst="rect">
+            <a:avLst/>
+          </a:prstGeom>
+          <a:noFill/>
+        </p:spPr>
+        <p:txBody>
+          <a:bodyPr wrap="square" rtlCol="0">
+            <a:spAutoFit/>
+          </a:bodyPr>
+          <a:lstStyle/>
+          <a:p>
+            <a:pPr algn="ctr"/>
+            <a:r>
+              <a:rPr lang="en-US" altLang="ko-KR" b="1" dirty="0"/>
+              <a:t>&lt; print </a:t>
+            </a:r>
+            <a:r>
+              <a:rPr lang="ko-KR" altLang="en-US" b="1" dirty="0"/>
+              <a:t>결과 확인 </a:t>
+            </a:r>
+            <a:r>
+              <a:rPr lang="en-US" altLang="ko-KR" b="1" dirty="0"/>
+              <a:t>&gt;</a:t>
+            </a:r>
+            <a:endParaRPr lang="ko-KR" altLang="en-US" b="1" dirty="0"/>
+          </a:p>
+        </p:txBody>
+      </p:sp>
     </p:spTree>
     <p:extLst>
       <p:ext uri="{BB962C8B-B14F-4D97-AF65-F5344CB8AC3E}">
@@ -4837,7 +5017,7 @@
         </p:blipFill>
         <p:spPr>
           <a:xfrm>
-            <a:off x="7110139" y="3448516"/>
+            <a:off x="7118022" y="3606171"/>
             <a:ext cx="4483147" cy="2934226"/>
           </a:xfrm>
           <a:prstGeom prst="rect">
@@ -4845,6 +5025,51 @@
           </a:prstGeom>
         </p:spPr>
       </p:pic>
+      <p:sp>
+        <p:nvSpPr>
+          <p:cNvPr id="2" name="TextBox 1">
+            <a:extLst>
+              <a:ext uri="{FF2B5EF4-FFF2-40B4-BE49-F238E27FC236}">
+                <a16:creationId xmlns:a16="http://schemas.microsoft.com/office/drawing/2014/main" id="{DA87448B-B894-99B2-160E-A5C37E6CC962}"/>
+              </a:ext>
+            </a:extLst>
+          </p:cNvPr>
+          <p:cNvSpPr txBox="1"/>
+          <p:nvPr/>
+        </p:nvSpPr>
+        <p:spPr>
+          <a:xfrm>
+            <a:off x="7118022" y="3151610"/>
+            <a:ext cx="2065283" cy="369332"/>
+          </a:xfrm>
+          <a:prstGeom prst="rect">
+            <a:avLst/>
+          </a:prstGeom>
+          <a:noFill/>
+        </p:spPr>
+        <p:txBody>
+          <a:bodyPr wrap="square" rtlCol="0">
+            <a:spAutoFit/>
+          </a:bodyPr>
+          <a:lstStyle/>
+          <a:p>
+            <a:pPr algn="ctr"/>
+            <a:r>
+              <a:rPr lang="en-US" altLang="ko-KR" b="1" dirty="0"/>
+              <a:t>&lt; print </a:t>
+            </a:r>
+            <a:r>
+              <a:rPr lang="ko-KR" altLang="en-US" b="1" dirty="0"/>
+              <a:t>결과 확인 </a:t>
+            </a:r>
+            <a:r>
+              <a:rPr lang="en-US" altLang="ko-KR" b="1" dirty="0"/>
+              <a:t>&gt;</a:t>
+            </a:r>
+            <a:endParaRPr lang="ko-KR" altLang="en-US" b="1" dirty="0"/>
+          </a:p>
+        </p:txBody>
+      </p:sp>
     </p:spTree>
     <p:extLst>
       <p:ext uri="{BB962C8B-B14F-4D97-AF65-F5344CB8AC3E}">
@@ -5031,7 +5256,7 @@
         </p:blipFill>
         <p:spPr>
           <a:xfrm>
-            <a:off x="6459752" y="507221"/>
+            <a:off x="6554345" y="861945"/>
             <a:ext cx="5363329" cy="1533850"/>
           </a:xfrm>
           <a:prstGeom prst="rect">
@@ -5039,8 +5264,8 @@
           </a:prstGeom>
         </p:spPr>
       </p:pic>
-      <mc:AlternateContent xmlns:mc="http://schemas.openxmlformats.org/markup-compatibility/2006">
-        <mc:Choice xmlns:p14="http://schemas.microsoft.com/office/powerpoint/2010/main" Requires="p14">
+      <mc:AlternateContent xmlns:mc="http://schemas.openxmlformats.org/markup-compatibility/2006" xmlns:p14="http://schemas.microsoft.com/office/powerpoint/2010/main">
+        <mc:Choice Requires="p14">
           <p:contentPart p14:bwMode="auto" r:id="rId4">
             <p14:nvContentPartPr>
               <p14:cNvPr id="2" name="잉크 1">
@@ -5059,7 +5284,7 @@
             </p14:xfrm>
           </p:contentPart>
         </mc:Choice>
-        <mc:Fallback>
+        <mc:Fallback xmlns="">
           <p:pic>
             <p:nvPicPr>
               <p:cNvPr id="2" name="잉크 1">
@@ -5090,6 +5315,51 @@
           </p:pic>
         </mc:Fallback>
       </mc:AlternateContent>
+      <p:sp>
+        <p:nvSpPr>
+          <p:cNvPr id="4" name="TextBox 3">
+            <a:extLst>
+              <a:ext uri="{FF2B5EF4-FFF2-40B4-BE49-F238E27FC236}">
+                <a16:creationId xmlns:a16="http://schemas.microsoft.com/office/drawing/2014/main" id="{DB3E3020-F03C-4A1B-0933-4A8DDF508FFD}"/>
+              </a:ext>
+            </a:extLst>
+          </p:cNvPr>
+          <p:cNvSpPr txBox="1"/>
+          <p:nvPr/>
+        </p:nvSpPr>
+        <p:spPr>
+          <a:xfrm>
+            <a:off x="6554345" y="387416"/>
+            <a:ext cx="2065283" cy="369332"/>
+          </a:xfrm>
+          <a:prstGeom prst="rect">
+            <a:avLst/>
+          </a:prstGeom>
+          <a:noFill/>
+        </p:spPr>
+        <p:txBody>
+          <a:bodyPr wrap="square" rtlCol="0">
+            <a:spAutoFit/>
+          </a:bodyPr>
+          <a:lstStyle/>
+          <a:p>
+            <a:pPr algn="ctr"/>
+            <a:r>
+              <a:rPr lang="en-US" altLang="ko-KR" b="1" dirty="0"/>
+              <a:t>&lt; print </a:t>
+            </a:r>
+            <a:r>
+              <a:rPr lang="ko-KR" altLang="en-US" b="1" dirty="0"/>
+              <a:t>결과 확인 </a:t>
+            </a:r>
+            <a:r>
+              <a:rPr lang="en-US" altLang="ko-KR" b="1" dirty="0"/>
+              <a:t>&gt;</a:t>
+            </a:r>
+            <a:endParaRPr lang="ko-KR" altLang="en-US" b="1" dirty="0"/>
+          </a:p>
+        </p:txBody>
+      </p:sp>
     </p:spTree>
     <p:extLst>
       <p:ext uri="{BB962C8B-B14F-4D97-AF65-F5344CB8AC3E}">
@@ -5150,8 +5420,8 @@
           </a:prstGeom>
         </p:spPr>
       </p:pic>
-      <mc:AlternateContent xmlns:mc="http://schemas.openxmlformats.org/markup-compatibility/2006">
-        <mc:Choice xmlns:p14="http://schemas.microsoft.com/office/powerpoint/2010/main" Requires="p14">
+      <mc:AlternateContent xmlns:mc="http://schemas.openxmlformats.org/markup-compatibility/2006" xmlns:p14="http://schemas.microsoft.com/office/powerpoint/2010/main">
+        <mc:Choice Requires="p14">
           <p:contentPart p14:bwMode="auto" r:id="rId3">
             <p14:nvContentPartPr>
               <p14:cNvPr id="2" name="잉크 1">
@@ -5170,7 +5440,7 @@
             </p14:xfrm>
           </p:contentPart>
         </mc:Choice>
-        <mc:Fallback>
+        <mc:Fallback xmlns="">
           <p:pic>
             <p:nvPicPr>
               <p:cNvPr id="2" name="잉크 1">
@@ -5201,8 +5471,8 @@
           </p:pic>
         </mc:Fallback>
       </mc:AlternateContent>
-      <mc:AlternateContent xmlns:mc="http://schemas.openxmlformats.org/markup-compatibility/2006">
-        <mc:Choice xmlns:p14="http://schemas.microsoft.com/office/powerpoint/2010/main" Requires="p14">
+      <mc:AlternateContent xmlns:mc="http://schemas.openxmlformats.org/markup-compatibility/2006" xmlns:p14="http://schemas.microsoft.com/office/powerpoint/2010/main">
+        <mc:Choice Requires="p14">
           <p:contentPart p14:bwMode="auto" r:id="rId5">
             <p14:nvContentPartPr>
               <p14:cNvPr id="5" name="잉크 4">
@@ -5221,7 +5491,7 @@
             </p14:xfrm>
           </p:contentPart>
         </mc:Choice>
-        <mc:Fallback>
+        <mc:Fallback xmlns="">
           <p:pic>
             <p:nvPicPr>
               <p:cNvPr id="5" name="잉크 4">
@@ -5252,8 +5522,8 @@
           </p:pic>
         </mc:Fallback>
       </mc:AlternateContent>
-      <mc:AlternateContent xmlns:mc="http://schemas.openxmlformats.org/markup-compatibility/2006">
-        <mc:Choice xmlns:p14="http://schemas.microsoft.com/office/powerpoint/2010/main" Requires="p14">
+      <mc:AlternateContent xmlns:mc="http://schemas.openxmlformats.org/markup-compatibility/2006" xmlns:p14="http://schemas.microsoft.com/office/powerpoint/2010/main">
+        <mc:Choice Requires="p14">
           <p:contentPart p14:bwMode="auto" r:id="rId7">
             <p14:nvContentPartPr>
               <p14:cNvPr id="7" name="잉크 6">
@@ -5272,7 +5542,7 @@
             </p14:xfrm>
           </p:contentPart>
         </mc:Choice>
-        <mc:Fallback>
+        <mc:Fallback xmlns="">
           <p:pic>
             <p:nvPicPr>
               <p:cNvPr id="7" name="잉크 6">
@@ -5303,8 +5573,8 @@
           </p:pic>
         </mc:Fallback>
       </mc:AlternateContent>
-      <mc:AlternateContent xmlns:mc="http://schemas.openxmlformats.org/markup-compatibility/2006">
-        <mc:Choice xmlns:p14="http://schemas.microsoft.com/office/powerpoint/2010/main" Requires="p14">
+      <mc:AlternateContent xmlns:mc="http://schemas.openxmlformats.org/markup-compatibility/2006" xmlns:p14="http://schemas.microsoft.com/office/powerpoint/2010/main">
+        <mc:Choice Requires="p14">
           <p:contentPart p14:bwMode="auto" r:id="rId9">
             <p14:nvContentPartPr>
               <p14:cNvPr id="8" name="잉크 7">
@@ -5323,7 +5593,7 @@
             </p14:xfrm>
           </p:contentPart>
         </mc:Choice>
-        <mc:Fallback>
+        <mc:Fallback xmlns="">
           <p:pic>
             <p:nvPicPr>
               <p:cNvPr id="8" name="잉크 7">
@@ -5354,8 +5624,8 @@
           </p:pic>
         </mc:Fallback>
       </mc:AlternateContent>
-      <mc:AlternateContent xmlns:mc="http://schemas.openxmlformats.org/markup-compatibility/2006">
-        <mc:Choice xmlns:p14="http://schemas.microsoft.com/office/powerpoint/2010/main" Requires="p14">
+      <mc:AlternateContent xmlns:mc="http://schemas.openxmlformats.org/markup-compatibility/2006" xmlns:p14="http://schemas.microsoft.com/office/powerpoint/2010/main">
+        <mc:Choice Requires="p14">
           <p:contentPart p14:bwMode="auto" r:id="rId11">
             <p14:nvContentPartPr>
               <p14:cNvPr id="9" name="잉크 8">
@@ -5374,7 +5644,7 @@
             </p14:xfrm>
           </p:contentPart>
         </mc:Choice>
-        <mc:Fallback>
+        <mc:Fallback xmlns="">
           <p:pic>
             <p:nvPicPr>
               <p:cNvPr id="9" name="잉크 8">
@@ -5405,8 +5675,8 @@
           </p:pic>
         </mc:Fallback>
       </mc:AlternateContent>
-      <mc:AlternateContent xmlns:mc="http://schemas.openxmlformats.org/markup-compatibility/2006">
-        <mc:Choice xmlns:p14="http://schemas.microsoft.com/office/powerpoint/2010/main" Requires="p14">
+      <mc:AlternateContent xmlns:mc="http://schemas.openxmlformats.org/markup-compatibility/2006" xmlns:p14="http://schemas.microsoft.com/office/powerpoint/2010/main">
+        <mc:Choice Requires="p14">
           <p:contentPart p14:bwMode="auto" r:id="rId13">
             <p14:nvContentPartPr>
               <p14:cNvPr id="10" name="잉크 9">
@@ -5425,7 +5695,7 @@
             </p14:xfrm>
           </p:contentPart>
         </mc:Choice>
-        <mc:Fallback>
+        <mc:Fallback xmlns="">
           <p:pic>
             <p:nvPicPr>
               <p:cNvPr id="10" name="잉크 9">
@@ -5456,8 +5726,8 @@
           </p:pic>
         </mc:Fallback>
       </mc:AlternateContent>
-      <mc:AlternateContent xmlns:mc="http://schemas.openxmlformats.org/markup-compatibility/2006">
-        <mc:Choice xmlns:p14="http://schemas.microsoft.com/office/powerpoint/2010/main" Requires="p14">
+      <mc:AlternateContent xmlns:mc="http://schemas.openxmlformats.org/markup-compatibility/2006" xmlns:p14="http://schemas.microsoft.com/office/powerpoint/2010/main">
+        <mc:Choice Requires="p14">
           <p:contentPart p14:bwMode="auto" r:id="rId15">
             <p14:nvContentPartPr>
               <p14:cNvPr id="11" name="잉크 10">
@@ -5476,7 +5746,7 @@
             </p14:xfrm>
           </p:contentPart>
         </mc:Choice>
-        <mc:Fallback>
+        <mc:Fallback xmlns="">
           <p:pic>
             <p:nvPicPr>
               <p:cNvPr id="11" name="잉크 10">
@@ -5507,8 +5777,8 @@
           </p:pic>
         </mc:Fallback>
       </mc:AlternateContent>
-      <mc:AlternateContent xmlns:mc="http://schemas.openxmlformats.org/markup-compatibility/2006">
-        <mc:Choice xmlns:p14="http://schemas.microsoft.com/office/powerpoint/2010/main" Requires="p14">
+      <mc:AlternateContent xmlns:mc="http://schemas.openxmlformats.org/markup-compatibility/2006" xmlns:p14="http://schemas.microsoft.com/office/powerpoint/2010/main">
+        <mc:Choice Requires="p14">
           <p:contentPart p14:bwMode="auto" r:id="rId17">
             <p14:nvContentPartPr>
               <p14:cNvPr id="12" name="잉크 11">
@@ -5527,7 +5797,7 @@
             </p14:xfrm>
           </p:contentPart>
         </mc:Choice>
-        <mc:Fallback>
+        <mc:Fallback xmlns="">
           <p:pic>
             <p:nvPicPr>
               <p:cNvPr id="12" name="잉크 11">
@@ -5640,7 +5910,7 @@
         </p:blipFill>
         <p:spPr>
           <a:xfrm>
-            <a:off x="8004634" y="463747"/>
+            <a:off x="8004634" y="747526"/>
             <a:ext cx="3744160" cy="1621355"/>
           </a:xfrm>
           <a:prstGeom prst="rect">
@@ -5648,6 +5918,51 @@
           </a:prstGeom>
         </p:spPr>
       </p:pic>
+      <p:sp>
+        <p:nvSpPr>
+          <p:cNvPr id="2" name="TextBox 1">
+            <a:extLst>
+              <a:ext uri="{FF2B5EF4-FFF2-40B4-BE49-F238E27FC236}">
+                <a16:creationId xmlns:a16="http://schemas.microsoft.com/office/drawing/2014/main" id="{AE5A4C59-088E-46E1-B4C6-A45004254D27}"/>
+              </a:ext>
+            </a:extLst>
+          </p:cNvPr>
+          <p:cNvSpPr txBox="1"/>
+          <p:nvPr/>
+        </p:nvSpPr>
+        <p:spPr>
+          <a:xfrm>
+            <a:off x="8004634" y="378194"/>
+            <a:ext cx="2065283" cy="369332"/>
+          </a:xfrm>
+          <a:prstGeom prst="rect">
+            <a:avLst/>
+          </a:prstGeom>
+          <a:noFill/>
+        </p:spPr>
+        <p:txBody>
+          <a:bodyPr wrap="square" rtlCol="0">
+            <a:spAutoFit/>
+          </a:bodyPr>
+          <a:lstStyle/>
+          <a:p>
+            <a:pPr algn="ctr"/>
+            <a:r>
+              <a:rPr lang="en-US" altLang="ko-KR" b="1" dirty="0"/>
+              <a:t>&lt; print </a:t>
+            </a:r>
+            <a:r>
+              <a:rPr lang="ko-KR" altLang="en-US" b="1" dirty="0"/>
+              <a:t>결과 확인 </a:t>
+            </a:r>
+            <a:r>
+              <a:rPr lang="en-US" altLang="ko-KR" b="1" dirty="0"/>
+              <a:t>&gt;</a:t>
+            </a:r>
+            <a:endParaRPr lang="ko-KR" altLang="en-US" b="1" dirty="0"/>
+          </a:p>
+        </p:txBody>
+      </p:sp>
     </p:spTree>
     <p:extLst>
       <p:ext uri="{BB962C8B-B14F-4D97-AF65-F5344CB8AC3E}">
@@ -5730,7 +6045,7 @@
         </p:blipFill>
         <p:spPr>
           <a:xfrm>
-            <a:off x="447301" y="5570066"/>
+            <a:off x="447301" y="5641922"/>
             <a:ext cx="5218713" cy="939369"/>
           </a:xfrm>
           <a:prstGeom prst="rect">
@@ -5738,8 +6053,8 @@
           </a:prstGeom>
         </p:spPr>
       </p:pic>
-      <mc:AlternateContent xmlns:mc="http://schemas.openxmlformats.org/markup-compatibility/2006">
-        <mc:Choice xmlns:p14="http://schemas.microsoft.com/office/powerpoint/2010/main" Requires="p14">
+      <mc:AlternateContent xmlns:mc="http://schemas.openxmlformats.org/markup-compatibility/2006" xmlns:p14="http://schemas.microsoft.com/office/powerpoint/2010/main">
+        <mc:Choice Requires="p14">
           <p:contentPart p14:bwMode="auto" r:id="rId4">
             <p14:nvContentPartPr>
               <p14:cNvPr id="2" name="잉크 1">
@@ -5758,7 +6073,7 @@
             </p14:xfrm>
           </p:contentPart>
         </mc:Choice>
-        <mc:Fallback>
+        <mc:Fallback xmlns="">
           <p:pic>
             <p:nvPicPr>
               <p:cNvPr id="2" name="잉크 1">
@@ -5789,6 +6104,51 @@
           </p:pic>
         </mc:Fallback>
       </mc:AlternateContent>
+      <p:sp>
+        <p:nvSpPr>
+          <p:cNvPr id="4" name="TextBox 3">
+            <a:extLst>
+              <a:ext uri="{FF2B5EF4-FFF2-40B4-BE49-F238E27FC236}">
+                <a16:creationId xmlns:a16="http://schemas.microsoft.com/office/drawing/2014/main" id="{25773A4C-29D9-C8E7-71D1-F231F0758D1C}"/>
+              </a:ext>
+            </a:extLst>
+          </p:cNvPr>
+          <p:cNvSpPr txBox="1"/>
+          <p:nvPr/>
+        </p:nvSpPr>
+        <p:spPr>
+          <a:xfrm>
+            <a:off x="447301" y="5426448"/>
+            <a:ext cx="2065283" cy="369332"/>
+          </a:xfrm>
+          <a:prstGeom prst="rect">
+            <a:avLst/>
+          </a:prstGeom>
+          <a:noFill/>
+        </p:spPr>
+        <p:txBody>
+          <a:bodyPr wrap="square" rtlCol="0">
+            <a:spAutoFit/>
+          </a:bodyPr>
+          <a:lstStyle/>
+          <a:p>
+            <a:pPr algn="ctr"/>
+            <a:r>
+              <a:rPr lang="en-US" altLang="ko-KR" b="1" dirty="0"/>
+              <a:t>&lt; print </a:t>
+            </a:r>
+            <a:r>
+              <a:rPr lang="ko-KR" altLang="en-US" b="1" dirty="0"/>
+              <a:t>결과 확인 </a:t>
+            </a:r>
+            <a:r>
+              <a:rPr lang="en-US" altLang="ko-KR" b="1" dirty="0"/>
+              <a:t>&gt;</a:t>
+            </a:r>
+            <a:endParaRPr lang="ko-KR" altLang="en-US" b="1" dirty="0"/>
+          </a:p>
+        </p:txBody>
+      </p:sp>
     </p:spTree>
     <p:extLst>
       <p:ext uri="{BB962C8B-B14F-4D97-AF65-F5344CB8AC3E}">
@@ -5993,7 +6353,7 @@
         </p:blipFill>
         <p:spPr>
           <a:xfrm>
-            <a:off x="6261738" y="399626"/>
+            <a:off x="6269621" y="628226"/>
             <a:ext cx="5682424" cy="1265887"/>
           </a:xfrm>
           <a:prstGeom prst="rect">
@@ -6001,6 +6361,51 @@
           </a:prstGeom>
         </p:spPr>
       </p:pic>
+      <p:sp>
+        <p:nvSpPr>
+          <p:cNvPr id="2" name="TextBox 1">
+            <a:extLst>
+              <a:ext uri="{FF2B5EF4-FFF2-40B4-BE49-F238E27FC236}">
+                <a16:creationId xmlns:a16="http://schemas.microsoft.com/office/drawing/2014/main" id="{6D39B41D-5628-5563-18CD-D28FB4CED0FA}"/>
+              </a:ext>
+            </a:extLst>
+          </p:cNvPr>
+          <p:cNvSpPr txBox="1"/>
+          <p:nvPr/>
+        </p:nvSpPr>
+        <p:spPr>
+          <a:xfrm>
+            <a:off x="6269621" y="287454"/>
+            <a:ext cx="2065283" cy="369332"/>
+          </a:xfrm>
+          <a:prstGeom prst="rect">
+            <a:avLst/>
+          </a:prstGeom>
+          <a:noFill/>
+        </p:spPr>
+        <p:txBody>
+          <a:bodyPr wrap="square" rtlCol="0">
+            <a:spAutoFit/>
+          </a:bodyPr>
+          <a:lstStyle/>
+          <a:p>
+            <a:pPr algn="ctr"/>
+            <a:r>
+              <a:rPr lang="en-US" altLang="ko-KR" b="1" dirty="0"/>
+              <a:t>&lt; print </a:t>
+            </a:r>
+            <a:r>
+              <a:rPr lang="ko-KR" altLang="en-US" b="1" dirty="0"/>
+              <a:t>결과 확인 </a:t>
+            </a:r>
+            <a:r>
+              <a:rPr lang="en-US" altLang="ko-KR" b="1" dirty="0"/>
+              <a:t>&gt;</a:t>
+            </a:r>
+            <a:endParaRPr lang="ko-KR" altLang="en-US" b="1" dirty="0"/>
+          </a:p>
+        </p:txBody>
+      </p:sp>
     </p:spTree>
     <p:extLst>
       <p:ext uri="{BB962C8B-B14F-4D97-AF65-F5344CB8AC3E}">
@@ -6067,16 +6472,16 @@
                 </a:solidFill>
                 <a:latin typeface="+mn-ea"/>
               </a:rPr>
-              <a:t>&lt; </a:t>
-            </a:r>
-            <a:r>
-              <a:rPr lang="ko-KR" altLang="en-US" sz="4800" b="1" dirty="0">
+              <a:t>&lt; 10</a:t>
+            </a:r>
+            <a:r>
+              <a:rPr lang="ko-KR" altLang="en-US" sz="4800" b="1">
                 <a:solidFill>
                   <a:schemeClr val="accent1"/>
                 </a:solidFill>
                 <a:latin typeface="+mn-ea"/>
               </a:rPr>
-              <a:t>정리하기 </a:t>
+              <a:t>강 정리하기 </a:t>
             </a:r>
             <a:r>
               <a:rPr lang="en-US" altLang="ko-KR" sz="4800" b="1" dirty="0">
@@ -6333,7 +6738,7 @@
         </p:blipFill>
         <p:spPr>
           <a:xfrm>
-            <a:off x="8749970" y="326806"/>
+            <a:off x="8742903" y="981075"/>
             <a:ext cx="3075798" cy="1537899"/>
           </a:xfrm>
           <a:prstGeom prst="rect">
@@ -6341,8 +6746,8 @@
           </a:prstGeom>
         </p:spPr>
       </p:pic>
-      <mc:AlternateContent xmlns:mc="http://schemas.openxmlformats.org/markup-compatibility/2006">
-        <mc:Choice xmlns:p14="http://schemas.microsoft.com/office/powerpoint/2010/main" Requires="p14">
+      <mc:AlternateContent xmlns:mc="http://schemas.openxmlformats.org/markup-compatibility/2006" xmlns:p14="http://schemas.microsoft.com/office/powerpoint/2010/main">
+        <mc:Choice Requires="p14">
           <p:contentPart p14:bwMode="auto" r:id="rId4">
             <p14:nvContentPartPr>
               <p14:cNvPr id="2" name="잉크 1">
@@ -6361,7 +6766,7 @@
             </p14:xfrm>
           </p:contentPart>
         </mc:Choice>
-        <mc:Fallback>
+        <mc:Fallback xmlns="">
           <p:pic>
             <p:nvPicPr>
               <p:cNvPr id="2" name="잉크 1">
@@ -6392,6 +6797,51 @@
           </p:pic>
         </mc:Fallback>
       </mc:AlternateContent>
+      <p:sp>
+        <p:nvSpPr>
+          <p:cNvPr id="3" name="TextBox 2">
+            <a:extLst>
+              <a:ext uri="{FF2B5EF4-FFF2-40B4-BE49-F238E27FC236}">
+                <a16:creationId xmlns:a16="http://schemas.microsoft.com/office/drawing/2014/main" id="{0C977521-F46C-1663-C361-ABB2AF222F5A}"/>
+              </a:ext>
+            </a:extLst>
+          </p:cNvPr>
+          <p:cNvSpPr txBox="1"/>
+          <p:nvPr/>
+        </p:nvSpPr>
+        <p:spPr>
+          <a:xfrm>
+            <a:off x="8742903" y="522515"/>
+            <a:ext cx="2065283" cy="369332"/>
+          </a:xfrm>
+          <a:prstGeom prst="rect">
+            <a:avLst/>
+          </a:prstGeom>
+          <a:noFill/>
+        </p:spPr>
+        <p:txBody>
+          <a:bodyPr wrap="square" rtlCol="0">
+            <a:spAutoFit/>
+          </a:bodyPr>
+          <a:lstStyle/>
+          <a:p>
+            <a:pPr algn="ctr"/>
+            <a:r>
+              <a:rPr lang="en-US" altLang="ko-KR" b="1" dirty="0"/>
+              <a:t>&lt; print </a:t>
+            </a:r>
+            <a:r>
+              <a:rPr lang="ko-KR" altLang="en-US" b="1" dirty="0"/>
+              <a:t>결과 확인 </a:t>
+            </a:r>
+            <a:r>
+              <a:rPr lang="en-US" altLang="ko-KR" b="1" dirty="0"/>
+              <a:t>&gt;</a:t>
+            </a:r>
+            <a:endParaRPr lang="ko-KR" altLang="en-US" b="1" dirty="0"/>
+          </a:p>
+        </p:txBody>
+      </p:sp>
     </p:spTree>
     <p:extLst>
       <p:ext uri="{BB962C8B-B14F-4D97-AF65-F5344CB8AC3E}">
@@ -6482,8 +6932,8 @@
           </a:prstGeom>
         </p:spPr>
       </p:pic>
-      <mc:AlternateContent xmlns:mc="http://schemas.openxmlformats.org/markup-compatibility/2006">
-        <mc:Choice xmlns:p14="http://schemas.microsoft.com/office/powerpoint/2010/main" Requires="p14">
+      <mc:AlternateContent xmlns:mc="http://schemas.openxmlformats.org/markup-compatibility/2006" xmlns:p14="http://schemas.microsoft.com/office/powerpoint/2010/main">
+        <mc:Choice Requires="p14">
           <p:contentPart p14:bwMode="auto" r:id="rId4">
             <p14:nvContentPartPr>
               <p14:cNvPr id="4" name="잉크 3">
@@ -6502,7 +6952,7 @@
             </p14:xfrm>
           </p:contentPart>
         </mc:Choice>
-        <mc:Fallback>
+        <mc:Fallback xmlns="">
           <p:pic>
             <p:nvPicPr>
               <p:cNvPr id="4" name="잉크 3">
@@ -6533,6 +6983,51 @@
           </p:pic>
         </mc:Fallback>
       </mc:AlternateContent>
+      <p:sp>
+        <p:nvSpPr>
+          <p:cNvPr id="2" name="TextBox 1">
+            <a:extLst>
+              <a:ext uri="{FF2B5EF4-FFF2-40B4-BE49-F238E27FC236}">
+                <a16:creationId xmlns:a16="http://schemas.microsoft.com/office/drawing/2014/main" id="{82C8E073-87E8-1BE9-E08B-81AFB12DCA97}"/>
+              </a:ext>
+            </a:extLst>
+          </p:cNvPr>
+          <p:cNvSpPr txBox="1"/>
+          <p:nvPr/>
+        </p:nvSpPr>
+        <p:spPr>
+          <a:xfrm>
+            <a:off x="6906554" y="1199340"/>
+            <a:ext cx="2065283" cy="369332"/>
+          </a:xfrm>
+          <a:prstGeom prst="rect">
+            <a:avLst/>
+          </a:prstGeom>
+          <a:noFill/>
+        </p:spPr>
+        <p:txBody>
+          <a:bodyPr wrap="square" rtlCol="0">
+            <a:spAutoFit/>
+          </a:bodyPr>
+          <a:lstStyle/>
+          <a:p>
+            <a:pPr algn="ctr"/>
+            <a:r>
+              <a:rPr lang="en-US" altLang="ko-KR" b="1" dirty="0"/>
+              <a:t>&lt; print </a:t>
+            </a:r>
+            <a:r>
+              <a:rPr lang="ko-KR" altLang="en-US" b="1" dirty="0"/>
+              <a:t>결과 확인 </a:t>
+            </a:r>
+            <a:r>
+              <a:rPr lang="en-US" altLang="ko-KR" b="1" dirty="0"/>
+              <a:t>&gt;</a:t>
+            </a:r>
+            <a:endParaRPr lang="ko-KR" altLang="en-US" b="1" dirty="0"/>
+          </a:p>
+        </p:txBody>
+      </p:sp>
     </p:spTree>
     <p:extLst>
       <p:ext uri="{BB962C8B-B14F-4D97-AF65-F5344CB8AC3E}">
@@ -6982,8 +7477,8 @@
           </p:pic>
         </mc:Fallback>
       </mc:AlternateContent>
-      <mc:AlternateContent xmlns:mc="http://schemas.openxmlformats.org/markup-compatibility/2006">
-        <mc:Choice xmlns:p14="http://schemas.microsoft.com/office/powerpoint/2010/main" Requires="p14">
+      <mc:AlternateContent xmlns:mc="http://schemas.openxmlformats.org/markup-compatibility/2006" xmlns:p14="http://schemas.microsoft.com/office/powerpoint/2010/main">
+        <mc:Choice Requires="p14">
           <p:contentPart p14:bwMode="auto" r:id="rId14">
             <p14:nvContentPartPr>
               <p14:cNvPr id="2" name="잉크 1">
@@ -7002,7 +7497,7 @@
             </p14:xfrm>
           </p:contentPart>
         </mc:Choice>
-        <mc:Fallback>
+        <mc:Fallback xmlns="">
           <p:pic>
             <p:nvPicPr>
               <p:cNvPr id="2" name="잉크 1">
@@ -7033,6 +7528,51 @@
           </p:pic>
         </mc:Fallback>
       </mc:AlternateContent>
+      <p:sp>
+        <p:nvSpPr>
+          <p:cNvPr id="4" name="TextBox 3">
+            <a:extLst>
+              <a:ext uri="{FF2B5EF4-FFF2-40B4-BE49-F238E27FC236}">
+                <a16:creationId xmlns:a16="http://schemas.microsoft.com/office/drawing/2014/main" id="{874F7D2B-B694-ABC8-2155-5706D98D2C8A}"/>
+              </a:ext>
+            </a:extLst>
+          </p:cNvPr>
+          <p:cNvSpPr txBox="1"/>
+          <p:nvPr/>
+        </p:nvSpPr>
+        <p:spPr>
+          <a:xfrm>
+            <a:off x="6428016" y="3584570"/>
+            <a:ext cx="2065283" cy="369332"/>
+          </a:xfrm>
+          <a:prstGeom prst="rect">
+            <a:avLst/>
+          </a:prstGeom>
+          <a:noFill/>
+        </p:spPr>
+        <p:txBody>
+          <a:bodyPr wrap="square" rtlCol="0">
+            <a:spAutoFit/>
+          </a:bodyPr>
+          <a:lstStyle/>
+          <a:p>
+            <a:pPr algn="ctr"/>
+            <a:r>
+              <a:rPr lang="en-US" altLang="ko-KR" b="1" dirty="0"/>
+              <a:t>&lt; print </a:t>
+            </a:r>
+            <a:r>
+              <a:rPr lang="ko-KR" altLang="en-US" b="1" dirty="0"/>
+              <a:t>결과 확인 </a:t>
+            </a:r>
+            <a:r>
+              <a:rPr lang="en-US" altLang="ko-KR" b="1" dirty="0"/>
+              <a:t>&gt;</a:t>
+            </a:r>
+            <a:endParaRPr lang="ko-KR" altLang="en-US" b="1" dirty="0"/>
+          </a:p>
+        </p:txBody>
+      </p:sp>
     </p:spTree>
     <p:extLst>
       <p:ext uri="{BB962C8B-B14F-4D97-AF65-F5344CB8AC3E}">
@@ -7115,7 +7655,7 @@
         </p:blipFill>
         <p:spPr>
           <a:xfrm>
-            <a:off x="385969" y="4838674"/>
+            <a:off x="385969" y="4957757"/>
             <a:ext cx="3728831" cy="1368378"/>
           </a:xfrm>
           <a:prstGeom prst="rect">
@@ -7174,8 +7714,8 @@
           </p:pic>
         </mc:Fallback>
       </mc:AlternateContent>
-      <mc:AlternateContent xmlns:mc="http://schemas.openxmlformats.org/markup-compatibility/2006">
-        <mc:Choice xmlns:p14="http://schemas.microsoft.com/office/powerpoint/2010/main" Requires="p14">
+      <mc:AlternateContent xmlns:mc="http://schemas.openxmlformats.org/markup-compatibility/2006" xmlns:p14="http://schemas.microsoft.com/office/powerpoint/2010/main">
+        <mc:Choice Requires="p14">
           <p:contentPart p14:bwMode="auto" r:id="rId6">
             <p14:nvContentPartPr>
               <p14:cNvPr id="2" name="잉크 1">
@@ -7194,7 +7734,7 @@
             </p14:xfrm>
           </p:contentPart>
         </mc:Choice>
-        <mc:Fallback>
+        <mc:Fallback xmlns="">
           <p:pic>
             <p:nvPicPr>
               <p:cNvPr id="2" name="잉크 1">
@@ -7225,6 +7765,51 @@
           </p:pic>
         </mc:Fallback>
       </mc:AlternateContent>
+      <p:sp>
+        <p:nvSpPr>
+          <p:cNvPr id="4" name="TextBox 3">
+            <a:extLst>
+              <a:ext uri="{FF2B5EF4-FFF2-40B4-BE49-F238E27FC236}">
+                <a16:creationId xmlns:a16="http://schemas.microsoft.com/office/drawing/2014/main" id="{F99184B2-70B8-6F0C-A35A-C575322BBC58}"/>
+              </a:ext>
+            </a:extLst>
+          </p:cNvPr>
+          <p:cNvSpPr txBox="1"/>
+          <p:nvPr/>
+        </p:nvSpPr>
+        <p:spPr>
+          <a:xfrm>
+            <a:off x="385969" y="4647508"/>
+            <a:ext cx="2065283" cy="369332"/>
+          </a:xfrm>
+          <a:prstGeom prst="rect">
+            <a:avLst/>
+          </a:prstGeom>
+          <a:noFill/>
+        </p:spPr>
+        <p:txBody>
+          <a:bodyPr wrap="square" rtlCol="0">
+            <a:spAutoFit/>
+          </a:bodyPr>
+          <a:lstStyle/>
+          <a:p>
+            <a:pPr algn="ctr"/>
+            <a:r>
+              <a:rPr lang="en-US" altLang="ko-KR" b="1" dirty="0"/>
+              <a:t>&lt; print </a:t>
+            </a:r>
+            <a:r>
+              <a:rPr lang="ko-KR" altLang="en-US" b="1" dirty="0"/>
+              <a:t>결과 확인 </a:t>
+            </a:r>
+            <a:r>
+              <a:rPr lang="en-US" altLang="ko-KR" b="1" dirty="0"/>
+              <a:t>&gt;</a:t>
+            </a:r>
+            <a:endParaRPr lang="ko-KR" altLang="en-US" b="1" dirty="0"/>
+          </a:p>
+        </p:txBody>
+      </p:sp>
     </p:spTree>
     <p:extLst>
       <p:ext uri="{BB962C8B-B14F-4D97-AF65-F5344CB8AC3E}">
@@ -7315,8 +7900,8 @@
           </a:prstGeom>
         </p:spPr>
       </p:pic>
-      <mc:AlternateContent xmlns:mc="http://schemas.openxmlformats.org/markup-compatibility/2006">
-        <mc:Choice xmlns:p14="http://schemas.microsoft.com/office/powerpoint/2010/main" Requires="p14">
+      <mc:AlternateContent xmlns:mc="http://schemas.openxmlformats.org/markup-compatibility/2006" xmlns:p14="http://schemas.microsoft.com/office/powerpoint/2010/main">
+        <mc:Choice Requires="p14">
           <p:contentPart p14:bwMode="auto" r:id="rId4">
             <p14:nvContentPartPr>
               <p14:cNvPr id="2" name="잉크 1">
@@ -7335,7 +7920,7 @@
             </p14:xfrm>
           </p:contentPart>
         </mc:Choice>
-        <mc:Fallback>
+        <mc:Fallback xmlns="">
           <p:pic>
             <p:nvPicPr>
               <p:cNvPr id="2" name="잉크 1">
@@ -7366,8 +7951,8 @@
           </p:pic>
         </mc:Fallback>
       </mc:AlternateContent>
-      <mc:AlternateContent xmlns:mc="http://schemas.openxmlformats.org/markup-compatibility/2006">
-        <mc:Choice xmlns:p14="http://schemas.microsoft.com/office/powerpoint/2010/main" Requires="p14">
+      <mc:AlternateContent xmlns:mc="http://schemas.openxmlformats.org/markup-compatibility/2006" xmlns:p14="http://schemas.microsoft.com/office/powerpoint/2010/main">
+        <mc:Choice Requires="p14">
           <p:contentPart p14:bwMode="auto" r:id="rId6">
             <p14:nvContentPartPr>
               <p14:cNvPr id="4" name="잉크 3">
@@ -7386,7 +7971,7 @@
             </p14:xfrm>
           </p:contentPart>
         </mc:Choice>
-        <mc:Fallback>
+        <mc:Fallback xmlns="">
           <p:pic>
             <p:nvPicPr>
               <p:cNvPr id="4" name="잉크 3">
@@ -7417,6 +8002,51 @@
           </p:pic>
         </mc:Fallback>
       </mc:AlternateContent>
+      <p:sp>
+        <p:nvSpPr>
+          <p:cNvPr id="6" name="TextBox 5">
+            <a:extLst>
+              <a:ext uri="{FF2B5EF4-FFF2-40B4-BE49-F238E27FC236}">
+                <a16:creationId xmlns:a16="http://schemas.microsoft.com/office/drawing/2014/main" id="{59F65EF9-7A0E-C862-084F-F47D2DBAFD93}"/>
+              </a:ext>
+            </a:extLst>
+          </p:cNvPr>
+          <p:cNvSpPr txBox="1"/>
+          <p:nvPr/>
+        </p:nvSpPr>
+        <p:spPr>
+          <a:xfrm>
+            <a:off x="8127496" y="2707895"/>
+            <a:ext cx="2065283" cy="369332"/>
+          </a:xfrm>
+          <a:prstGeom prst="rect">
+            <a:avLst/>
+          </a:prstGeom>
+          <a:noFill/>
+        </p:spPr>
+        <p:txBody>
+          <a:bodyPr wrap="square" rtlCol="0">
+            <a:spAutoFit/>
+          </a:bodyPr>
+          <a:lstStyle/>
+          <a:p>
+            <a:pPr algn="ctr"/>
+            <a:r>
+              <a:rPr lang="en-US" altLang="ko-KR" b="1" dirty="0"/>
+              <a:t>&lt; print </a:t>
+            </a:r>
+            <a:r>
+              <a:rPr lang="ko-KR" altLang="en-US" b="1" dirty="0"/>
+              <a:t>결과 확인 </a:t>
+            </a:r>
+            <a:r>
+              <a:rPr lang="en-US" altLang="ko-KR" b="1" dirty="0"/>
+              <a:t>&gt;</a:t>
+            </a:r>
+            <a:endParaRPr lang="ko-KR" altLang="en-US" b="1" dirty="0"/>
+          </a:p>
+        </p:txBody>
+      </p:sp>
     </p:spTree>
     <p:extLst>
       <p:ext uri="{BB962C8B-B14F-4D97-AF65-F5344CB8AC3E}">
